--- a/main CV.pptx
+++ b/main CV.pptx
@@ -243,7 +243,7 @@
           <a:p>
             <a:fld id="{633CFB94-3A9B-4BCC-97D0-AD2F45E975D2}" type="datetimeFigureOut">
               <a:rPr lang="en-US" smtClean="0"/>
-              <a:t>3/4/2023</a:t>
+              <a:t>3/7/2023</a:t>
             </a:fld>
             <a:endParaRPr lang="en-US"/>
           </a:p>
@@ -413,7 +413,7 @@
           <a:p>
             <a:fld id="{633CFB94-3A9B-4BCC-97D0-AD2F45E975D2}" type="datetimeFigureOut">
               <a:rPr lang="en-US" smtClean="0"/>
-              <a:t>3/4/2023</a:t>
+              <a:t>3/7/2023</a:t>
             </a:fld>
             <a:endParaRPr lang="en-US"/>
           </a:p>
@@ -593,7 +593,7 @@
           <a:p>
             <a:fld id="{633CFB94-3A9B-4BCC-97D0-AD2F45E975D2}" type="datetimeFigureOut">
               <a:rPr lang="en-US" smtClean="0"/>
-              <a:t>3/4/2023</a:t>
+              <a:t>3/7/2023</a:t>
             </a:fld>
             <a:endParaRPr lang="en-US"/>
           </a:p>
@@ -763,7 +763,7 @@
           <a:p>
             <a:fld id="{633CFB94-3A9B-4BCC-97D0-AD2F45E975D2}" type="datetimeFigureOut">
               <a:rPr lang="en-US" smtClean="0"/>
-              <a:t>3/4/2023</a:t>
+              <a:t>3/7/2023</a:t>
             </a:fld>
             <a:endParaRPr lang="en-US"/>
           </a:p>
@@ -1007,7 +1007,7 @@
           <a:p>
             <a:fld id="{633CFB94-3A9B-4BCC-97D0-AD2F45E975D2}" type="datetimeFigureOut">
               <a:rPr lang="en-US" smtClean="0"/>
-              <a:t>3/4/2023</a:t>
+              <a:t>3/7/2023</a:t>
             </a:fld>
             <a:endParaRPr lang="en-US"/>
           </a:p>
@@ -1239,7 +1239,7 @@
           <a:p>
             <a:fld id="{633CFB94-3A9B-4BCC-97D0-AD2F45E975D2}" type="datetimeFigureOut">
               <a:rPr lang="en-US" smtClean="0"/>
-              <a:t>3/4/2023</a:t>
+              <a:t>3/7/2023</a:t>
             </a:fld>
             <a:endParaRPr lang="en-US"/>
           </a:p>
@@ -1606,7 +1606,7 @@
           <a:p>
             <a:fld id="{633CFB94-3A9B-4BCC-97D0-AD2F45E975D2}" type="datetimeFigureOut">
               <a:rPr lang="en-US" smtClean="0"/>
-              <a:t>3/4/2023</a:t>
+              <a:t>3/7/2023</a:t>
             </a:fld>
             <a:endParaRPr lang="en-US"/>
           </a:p>
@@ -1724,7 +1724,7 @@
           <a:p>
             <a:fld id="{633CFB94-3A9B-4BCC-97D0-AD2F45E975D2}" type="datetimeFigureOut">
               <a:rPr lang="en-US" smtClean="0"/>
-              <a:t>3/4/2023</a:t>
+              <a:t>3/7/2023</a:t>
             </a:fld>
             <a:endParaRPr lang="en-US"/>
           </a:p>
@@ -1819,7 +1819,7 @@
           <a:p>
             <a:fld id="{633CFB94-3A9B-4BCC-97D0-AD2F45E975D2}" type="datetimeFigureOut">
               <a:rPr lang="en-US" smtClean="0"/>
-              <a:t>3/4/2023</a:t>
+              <a:t>3/7/2023</a:t>
             </a:fld>
             <a:endParaRPr lang="en-US"/>
           </a:p>
@@ -2096,7 +2096,7 @@
           <a:p>
             <a:fld id="{633CFB94-3A9B-4BCC-97D0-AD2F45E975D2}" type="datetimeFigureOut">
               <a:rPr lang="en-US" smtClean="0"/>
-              <a:t>3/4/2023</a:t>
+              <a:t>3/7/2023</a:t>
             </a:fld>
             <a:endParaRPr lang="en-US"/>
           </a:p>
@@ -2353,7 +2353,7 @@
           <a:p>
             <a:fld id="{633CFB94-3A9B-4BCC-97D0-AD2F45E975D2}" type="datetimeFigureOut">
               <a:rPr lang="en-US" smtClean="0"/>
-              <a:t>3/4/2023</a:t>
+              <a:t>3/7/2023</a:t>
             </a:fld>
             <a:endParaRPr lang="en-US"/>
           </a:p>
@@ -2566,7 +2566,7 @@
           <a:p>
             <a:fld id="{633CFB94-3A9B-4BCC-97D0-AD2F45E975D2}" type="datetimeFigureOut">
               <a:rPr lang="en-US" smtClean="0"/>
-              <a:t>3/4/2023</a:t>
+              <a:t>3/7/2023</a:t>
             </a:fld>
             <a:endParaRPr lang="en-US"/>
           </a:p>
@@ -3271,23 +3271,7 @@
                       <a:srgbClr val="FAD30C"/>
                     </a:solidFill>
                   </a:rPr>
-                  <a:t>Back-End</a:t>
-                </a:r>
-                <a:r>
-                  <a:rPr lang="en-US" sz="1800" i="1" dirty="0" smtClean="0">
-                    <a:solidFill>
-                      <a:srgbClr val="FAD30C"/>
-                    </a:solidFill>
-                  </a:rPr>
-                  <a:t>  </a:t>
-                </a:r>
-                <a:r>
-                  <a:rPr lang="en-US" sz="1800" i="1" dirty="0" smtClean="0">
-                    <a:solidFill>
-                      <a:srgbClr val="FAD30C"/>
-                    </a:solidFill>
-                  </a:rPr>
-                  <a:t>Intern</a:t>
+                  <a:t>Back-End  Intern</a:t>
                 </a:r>
                 <a:endParaRPr lang="en-US" sz="1800" i="1" dirty="0">
                   <a:solidFill>
@@ -4089,13 +4073,18 @@
               <a:buChar char="•"/>
             </a:pPr>
             <a:r>
-              <a:rPr lang="en-US" sz="1680" dirty="0">
+              <a:rPr lang="en-US" sz="1680" dirty="0" smtClean="0">
                 <a:solidFill>
                   <a:schemeClr val="bg1"/>
                 </a:solidFill>
               </a:rPr>
-              <a:t>English</a:t>
-            </a:r>
+              <a:t>English     </a:t>
+            </a:r>
+            <a:endParaRPr lang="en-US" sz="1680" dirty="0">
+              <a:solidFill>
+                <a:schemeClr val="bg1"/>
+              </a:solidFill>
+            </a:endParaRPr>
           </a:p>
         </p:txBody>
       </p:sp>
@@ -5045,23 +5034,25 @@
                   <a:srgbClr val="FFC000"/>
                 </a:solidFill>
               </a:rPr>
-              <a:t>DOCTOR BOOKING </a:t>
+              <a:t>DOCTOR BOOKING WEBSITE</a:t>
             </a:r>
             <a:r>
               <a:rPr lang="en-US" sz="1600" b="1" dirty="0" smtClean="0">
                 <a:solidFill>
-                  <a:srgbClr val="FFC000"/>
-                </a:solidFill>
-              </a:rPr>
-              <a:t>WEBSITE</a:t>
-            </a:r>
+                  <a:srgbClr val="222224"/>
+                </a:solidFill>
+              </a:rPr>
+              <a:t>                                  	             Jan  2023</a:t>
+            </a:r>
+          </a:p>
+          <a:p>
             <a:r>
               <a:rPr lang="en-US" sz="1600" b="1" dirty="0" smtClean="0">
                 <a:solidFill>
                   <a:srgbClr val="222224"/>
                 </a:solidFill>
               </a:rPr>
-              <a:t>                                  </a:t>
+              <a:t>HTML, CSS, JavaScript, </a:t>
             </a:r>
             <a:r>
               <a:rPr lang="en-US" sz="1600" b="1" dirty="0" smtClean="0">
@@ -5069,33 +5060,7 @@
                   <a:srgbClr val="222224"/>
                 </a:solidFill>
               </a:rPr>
-              <a:t>	             Jan  2023</a:t>
-            </a:r>
-          </a:p>
-          <a:p>
-            <a:r>
-              <a:rPr lang="en-US" sz="1600" b="1" dirty="0" smtClean="0">
-                <a:solidFill>
-                  <a:srgbClr val="222224"/>
-                </a:solidFill>
-              </a:rPr>
-              <a:t>HTML, CSS, JavaScript, </a:t>
-            </a:r>
-            <a:r>
-              <a:rPr lang="en-US" sz="1600" b="1" dirty="0" err="1">
-                <a:solidFill>
-                  <a:srgbClr val="222224"/>
-                </a:solidFill>
-              </a:rPr>
-              <a:t>G</a:t>
-            </a:r>
-            <a:r>
-              <a:rPr lang="en-US" sz="1600" b="1" dirty="0" err="1" smtClean="0">
-                <a:solidFill>
-                  <a:srgbClr val="222224"/>
-                </a:solidFill>
-              </a:rPr>
-              <a:t>ithub</a:t>
+              <a:t>GitHub</a:t>
             </a:r>
             <a:endParaRPr lang="en-US" sz="1600" b="1" dirty="0">
               <a:solidFill>
@@ -5114,21 +5079,8 @@
                   <a:srgbClr val="222224"/>
                 </a:solidFill>
               </a:rPr>
-              <a:t> Linking Mock API, JSON-Server to get </a:t>
-            </a:r>
-            <a:r>
-              <a:rPr lang="en-US" sz="1600" dirty="0" smtClean="0">
-                <a:solidFill>
-                  <a:srgbClr val="222224"/>
-                </a:solidFill>
-              </a:rPr>
-              <a:t>Data</a:t>
-            </a:r>
-            <a:endParaRPr lang="en-US" sz="1600" dirty="0" smtClean="0">
-              <a:solidFill>
-                <a:srgbClr val="222224"/>
-              </a:solidFill>
-            </a:endParaRPr>
+              <a:t> Linking Mock API, JSON-Server to get Data</a:t>
+            </a:r>
           </a:p>
           <a:p>
             <a:pPr marL="285750" indent="-285750">
@@ -5141,21 +5093,8 @@
                   <a:srgbClr val="222224"/>
                 </a:solidFill>
               </a:rPr>
-              <a:t> Designing validation for </a:t>
-            </a:r>
-            <a:r>
-              <a:rPr lang="en-US" sz="1600" dirty="0" smtClean="0">
-                <a:solidFill>
-                  <a:srgbClr val="222224"/>
-                </a:solidFill>
-              </a:rPr>
-              <a:t>form</a:t>
-            </a:r>
-            <a:endParaRPr lang="en-US" sz="1600" dirty="0" smtClean="0">
-              <a:solidFill>
-                <a:srgbClr val="222224"/>
-              </a:solidFill>
-            </a:endParaRPr>
+              <a:t> Designing validation for form</a:t>
+            </a:r>
           </a:p>
           <a:p>
             <a:pPr marL="285750" indent="-285750">
@@ -5184,15 +5123,7 @@
                   <a:srgbClr val="222224"/>
                 </a:solidFill>
               </a:rPr>
-              <a:t>admin’s </a:t>
-            </a:r>
-            <a:r>
-              <a:rPr lang="en-US" sz="1600" dirty="0" smtClean="0">
-                <a:solidFill>
-                  <a:srgbClr val="222224"/>
-                </a:solidFill>
-              </a:rPr>
-              <a:t>interface</a:t>
+              <a:t>admin’s interface</a:t>
             </a:r>
             <a:endParaRPr lang="en-US" sz="1600" dirty="0">
               <a:solidFill>
@@ -5242,21 +5173,8 @@
                   <a:srgbClr val="222224"/>
                 </a:solidFill>
               </a:rPr>
-              <a:t>       and delete the user’s </a:t>
-            </a:r>
-            <a:r>
-              <a:rPr lang="en-US" sz="1600" dirty="0" smtClean="0">
-                <a:solidFill>
-                  <a:srgbClr val="222224"/>
-                </a:solidFill>
-              </a:rPr>
-              <a:t>information</a:t>
-            </a:r>
-            <a:endParaRPr lang="en-US" sz="1600" dirty="0" smtClean="0">
-              <a:solidFill>
-                <a:srgbClr val="222224"/>
-              </a:solidFill>
-            </a:endParaRPr>
+              <a:t>       and delete the user’s information</a:t>
+            </a:r>
           </a:p>
           <a:p>
             <a:pPr marL="285750" indent="-285750">
@@ -5277,15 +5195,7 @@
                   <a:srgbClr val="222224"/>
                 </a:solidFill>
               </a:rPr>
-              <a:t> code using </a:t>
-            </a:r>
-            <a:r>
-              <a:rPr lang="en-US" sz="1600" dirty="0" smtClean="0">
-                <a:solidFill>
-                  <a:srgbClr val="222224"/>
-                </a:solidFill>
-              </a:rPr>
-              <a:t>GitHub</a:t>
+              <a:t> code using GitHub</a:t>
             </a:r>
             <a:endParaRPr lang="en-US" sz="1600" dirty="0">
               <a:solidFill>
@@ -5714,11 +5624,6 @@
               </a:rPr>
               <a:t>Analyzing</a:t>
             </a:r>
-            <a:endParaRPr lang="en-US" sz="1600" dirty="0" smtClean="0">
-              <a:solidFill>
-                <a:srgbClr val="FFFFFF"/>
-              </a:solidFill>
-            </a:endParaRPr>
           </a:p>
         </p:txBody>
       </p:sp>

--- a/main CV.pptx
+++ b/main CV.pptx
@@ -5052,15 +5052,7 @@
                   <a:srgbClr val="222224"/>
                 </a:solidFill>
               </a:rPr>
-              <a:t>HTML, CSS, JavaScript, </a:t>
-            </a:r>
-            <a:r>
-              <a:rPr lang="en-US" sz="1600" b="1" dirty="0" smtClean="0">
-                <a:solidFill>
-                  <a:srgbClr val="222224"/>
-                </a:solidFill>
-              </a:rPr>
-              <a:t>GitHub</a:t>
+              <a:t>HTML, CSS, JavaScript, GitHub</a:t>
             </a:r>
             <a:endParaRPr lang="en-US" sz="1600" b="1" dirty="0">
               <a:solidFill>

--- a/main CV.pptx
+++ b/main CV.pptx
@@ -243,7 +243,7 @@
           <a:p>
             <a:fld id="{633CFB94-3A9B-4BCC-97D0-AD2F45E975D2}" type="datetimeFigureOut">
               <a:rPr lang="en-US" smtClean="0"/>
-              <a:t>3/7/2023</a:t>
+              <a:t>3/16/2023</a:t>
             </a:fld>
             <a:endParaRPr lang="en-US"/>
           </a:p>
@@ -413,7 +413,7 @@
           <a:p>
             <a:fld id="{633CFB94-3A9B-4BCC-97D0-AD2F45E975D2}" type="datetimeFigureOut">
               <a:rPr lang="en-US" smtClean="0"/>
-              <a:t>3/7/2023</a:t>
+              <a:t>3/16/2023</a:t>
             </a:fld>
             <a:endParaRPr lang="en-US"/>
           </a:p>
@@ -593,7 +593,7 @@
           <a:p>
             <a:fld id="{633CFB94-3A9B-4BCC-97D0-AD2F45E975D2}" type="datetimeFigureOut">
               <a:rPr lang="en-US" smtClean="0"/>
-              <a:t>3/7/2023</a:t>
+              <a:t>3/16/2023</a:t>
             </a:fld>
             <a:endParaRPr lang="en-US"/>
           </a:p>
@@ -763,7 +763,7 @@
           <a:p>
             <a:fld id="{633CFB94-3A9B-4BCC-97D0-AD2F45E975D2}" type="datetimeFigureOut">
               <a:rPr lang="en-US" smtClean="0"/>
-              <a:t>3/7/2023</a:t>
+              <a:t>3/16/2023</a:t>
             </a:fld>
             <a:endParaRPr lang="en-US"/>
           </a:p>
@@ -1007,7 +1007,7 @@
           <a:p>
             <a:fld id="{633CFB94-3A9B-4BCC-97D0-AD2F45E975D2}" type="datetimeFigureOut">
               <a:rPr lang="en-US" smtClean="0"/>
-              <a:t>3/7/2023</a:t>
+              <a:t>3/16/2023</a:t>
             </a:fld>
             <a:endParaRPr lang="en-US"/>
           </a:p>
@@ -1239,7 +1239,7 @@
           <a:p>
             <a:fld id="{633CFB94-3A9B-4BCC-97D0-AD2F45E975D2}" type="datetimeFigureOut">
               <a:rPr lang="en-US" smtClean="0"/>
-              <a:t>3/7/2023</a:t>
+              <a:t>3/16/2023</a:t>
             </a:fld>
             <a:endParaRPr lang="en-US"/>
           </a:p>
@@ -1606,7 +1606,7 @@
           <a:p>
             <a:fld id="{633CFB94-3A9B-4BCC-97D0-AD2F45E975D2}" type="datetimeFigureOut">
               <a:rPr lang="en-US" smtClean="0"/>
-              <a:t>3/7/2023</a:t>
+              <a:t>3/16/2023</a:t>
             </a:fld>
             <a:endParaRPr lang="en-US"/>
           </a:p>
@@ -1724,7 +1724,7 @@
           <a:p>
             <a:fld id="{633CFB94-3A9B-4BCC-97D0-AD2F45E975D2}" type="datetimeFigureOut">
               <a:rPr lang="en-US" smtClean="0"/>
-              <a:t>3/7/2023</a:t>
+              <a:t>3/16/2023</a:t>
             </a:fld>
             <a:endParaRPr lang="en-US"/>
           </a:p>
@@ -1819,7 +1819,7 @@
           <a:p>
             <a:fld id="{633CFB94-3A9B-4BCC-97D0-AD2F45E975D2}" type="datetimeFigureOut">
               <a:rPr lang="en-US" smtClean="0"/>
-              <a:t>3/7/2023</a:t>
+              <a:t>3/16/2023</a:t>
             </a:fld>
             <a:endParaRPr lang="en-US"/>
           </a:p>
@@ -2096,7 +2096,7 @@
           <a:p>
             <a:fld id="{633CFB94-3A9B-4BCC-97D0-AD2F45E975D2}" type="datetimeFigureOut">
               <a:rPr lang="en-US" smtClean="0"/>
-              <a:t>3/7/2023</a:t>
+              <a:t>3/16/2023</a:t>
             </a:fld>
             <a:endParaRPr lang="en-US"/>
           </a:p>
@@ -2353,7 +2353,7 @@
           <a:p>
             <a:fld id="{633CFB94-3A9B-4BCC-97D0-AD2F45E975D2}" type="datetimeFigureOut">
               <a:rPr lang="en-US" smtClean="0"/>
-              <a:t>3/7/2023</a:t>
+              <a:t>3/16/2023</a:t>
             </a:fld>
             <a:endParaRPr lang="en-US"/>
           </a:p>
@@ -2566,7 +2566,7 @@
           <a:p>
             <a:fld id="{633CFB94-3A9B-4BCC-97D0-AD2F45E975D2}" type="datetimeFigureOut">
               <a:rPr lang="en-US" smtClean="0"/>
-              <a:t>3/7/2023</a:t>
+              <a:t>3/16/2023</a:t>
             </a:fld>
             <a:endParaRPr lang="en-US"/>
           </a:p>
@@ -3819,8 +3819,8 @@
         </p:nvSpPr>
         <p:spPr>
           <a:xfrm>
-            <a:off x="2617512" y="2892581"/>
-            <a:ext cx="5683619" cy="830997"/>
+            <a:off x="2617513" y="2892581"/>
+            <a:ext cx="5612088" cy="830997"/>
           </a:xfrm>
           <a:prstGeom prst="rect">
             <a:avLst/>
@@ -3839,33 +3839,27 @@
                   <a:srgbClr val="222224"/>
                 </a:solidFill>
               </a:rPr>
-              <a:t>PASSERELLES NUMERIQUES VIETNAM</a:t>
-            </a:r>
-          </a:p>
-          <a:p>
+              <a:t>PASSERELLES</a:t>
+            </a:r>
+            <a:r>
+              <a:rPr lang="en-US" sz="1600" b="1" dirty="0"/>
+              <a:t> </a:t>
+            </a:r>
+            <a:r>
+              <a:rPr lang="en-US" sz="1600" b="1" dirty="0" smtClean="0"/>
+              <a:t>NUMÉRIQUES</a:t>
+            </a:r>
+            <a:r>
+              <a:rPr lang="en-US" sz="1600" b="1" dirty="0" smtClean="0"/>
+              <a:t> </a:t>
+            </a:r>
             <a:r>
               <a:rPr lang="en-US" sz="1600" b="1" dirty="0" smtClean="0">
                 <a:solidFill>
                   <a:srgbClr val="222224"/>
                 </a:solidFill>
               </a:rPr>
-              <a:t>Bachelors </a:t>
-            </a:r>
-            <a:r>
-              <a:rPr lang="en-US" sz="1600" b="1" dirty="0">
-                <a:solidFill>
-                  <a:srgbClr val="222224"/>
-                </a:solidFill>
-              </a:rPr>
-              <a:t>in Information </a:t>
-            </a:r>
-            <a:r>
-              <a:rPr lang="en-US" sz="1600" b="1" dirty="0" smtClean="0">
-                <a:solidFill>
-                  <a:srgbClr val="222224"/>
-                </a:solidFill>
-              </a:rPr>
-              <a:t>Technology</a:t>
+              <a:t>VIETNAM</a:t>
             </a:r>
             <a:endParaRPr lang="en-US" sz="1600" b="1" dirty="0">
               <a:solidFill>
@@ -3874,7 +3868,40 @@
             </a:endParaRPr>
           </a:p>
           <a:p>
-            <a:pPr algn="r"/>
+            <a:r>
+              <a:rPr lang="en-US" sz="1600" b="1" dirty="0" smtClean="0">
+                <a:solidFill>
+                  <a:srgbClr val="222224"/>
+                </a:solidFill>
+              </a:rPr>
+              <a:t>Bachelors </a:t>
+            </a:r>
+            <a:r>
+              <a:rPr lang="en-US" sz="1600" b="1" dirty="0">
+                <a:solidFill>
+                  <a:srgbClr val="222224"/>
+                </a:solidFill>
+              </a:rPr>
+              <a:t>in Information </a:t>
+            </a:r>
+            <a:r>
+              <a:rPr lang="en-US" sz="1600" b="1" dirty="0" err="1" smtClean="0">
+                <a:solidFill>
+                  <a:srgbClr val="222224"/>
+                </a:solidFill>
+              </a:rPr>
+              <a:t>Technolog</a:t>
+            </a:r>
+            <a:r>
+              <a:rPr lang="en-US" sz="1600" b="1" dirty="0" smtClean="0">
+                <a:solidFill>
+                  <a:srgbClr val="222224"/>
+                </a:solidFill>
+              </a:rPr>
+              <a:t>                        </a:t>
+            </a:r>
+          </a:p>
+          <a:p>
             <a:r>
               <a:rPr lang="en-US" sz="1600" b="1" i="1" dirty="0">
                 <a:solidFill>
@@ -3889,7 +3916,15 @@
                   <a:srgbClr val="222224"/>
                 </a:solidFill>
               </a:rPr>
-              <a:t>		            Oct </a:t>
+              <a:t>		               </a:t>
+            </a:r>
+            <a:r>
+              <a:rPr lang="en-US" sz="1600" b="1" i="1" dirty="0" smtClean="0">
+                <a:solidFill>
+                  <a:srgbClr val="222224"/>
+                </a:solidFill>
+              </a:rPr>
+              <a:t>Oct </a:t>
             </a:r>
             <a:r>
               <a:rPr lang="en-US" sz="1600" b="1" i="1" dirty="0">
@@ -4219,13 +4254,18 @@
               <a:buChar char="•"/>
             </a:pPr>
             <a:r>
-              <a:rPr lang="en-US" sz="1600" dirty="0" smtClean="0">
+              <a:rPr lang="en-US" sz="1600" dirty="0" err="1" smtClean="0">
                 <a:solidFill>
                   <a:srgbClr val="FFFFFF"/>
                 </a:solidFill>
               </a:rPr>
-              <a:t>Teamwork</a:t>
-            </a:r>
+              <a:t>Teamworking</a:t>
+            </a:r>
+            <a:endParaRPr lang="en-US" sz="1600" dirty="0" smtClean="0">
+              <a:solidFill>
+                <a:srgbClr val="FFFFFF"/>
+              </a:solidFill>
+            </a:endParaRPr>
           </a:p>
           <a:p>
             <a:pPr marL="342892" indent="-342892">
@@ -4238,8 +4278,13 @@
                   <a:srgbClr val="FFFFFF"/>
                 </a:solidFill>
               </a:rPr>
-              <a:t>Communication</a:t>
-            </a:r>
+              <a:t>Communicating</a:t>
+            </a:r>
+            <a:endParaRPr lang="en-US" sz="1600" dirty="0" smtClean="0">
+              <a:solidFill>
+                <a:srgbClr val="FFFFFF"/>
+              </a:solidFill>
+            </a:endParaRPr>
           </a:p>
           <a:p>
             <a:pPr marL="342892" indent="-342892">
@@ -4265,8 +4310,8 @@
         </p:nvSpPr>
         <p:spPr>
           <a:xfrm>
-            <a:off x="2615809" y="8145885"/>
-            <a:ext cx="5624625" cy="1815882"/>
+            <a:off x="2463739" y="7123081"/>
+            <a:ext cx="5823356" cy="2554545"/>
           </a:xfrm>
           <a:prstGeom prst="rect">
             <a:avLst/>
@@ -4282,10 +4327,10 @@
             <a:r>
               <a:rPr lang="en-US" sz="1600" b="1" dirty="0" smtClean="0">
                 <a:solidFill>
-                  <a:srgbClr val="FAD30C"/>
-                </a:solidFill>
-              </a:rPr>
-              <a:t>RESTAURANT MANAGEMENT</a:t>
+                  <a:srgbClr val="FFC000"/>
+                </a:solidFill>
+              </a:rPr>
+              <a:t>RESTAURANT MANAGEMENT </a:t>
             </a:r>
             <a:r>
               <a:rPr lang="en-US" sz="1600" b="1" dirty="0" smtClean="0">
@@ -4293,7 +4338,15 @@
                   <a:srgbClr val="222224"/>
                 </a:solidFill>
               </a:rPr>
-              <a:t> 	              </a:t>
+              <a:t>	              </a:t>
+            </a:r>
+            <a:r>
+              <a:rPr lang="en-US" sz="1600" b="1" dirty="0" smtClean="0">
+                <a:solidFill>
+                  <a:srgbClr val="222224"/>
+                </a:solidFill>
+              </a:rPr>
+              <a:t>   </a:t>
             </a:r>
             <a:r>
               <a:rPr lang="en-US" sz="1600" b="1" i="1" dirty="0" smtClean="0">
@@ -4301,8 +4354,23 @@
                   <a:srgbClr val="222224"/>
                 </a:solidFill>
               </a:rPr>
-              <a:t>Oct 2022 – Nov 2022</a:t>
-            </a:r>
+              <a:t>Oct </a:t>
+            </a:r>
+            <a:r>
+              <a:rPr lang="en-US" sz="1600" b="1" i="1" dirty="0" smtClean="0">
+                <a:solidFill>
+                  <a:srgbClr val="222224"/>
+                </a:solidFill>
+              </a:rPr>
+              <a:t>2022 – Nov 2022</a:t>
+            </a:r>
+          </a:p>
+          <a:p>
+            <a:endParaRPr lang="en-US" sz="1600" b="1" dirty="0">
+              <a:solidFill>
+                <a:srgbClr val="222224"/>
+              </a:solidFill>
+            </a:endParaRPr>
           </a:p>
           <a:p>
             <a:r>
@@ -4311,8 +4379,73 @@
                   <a:srgbClr val="222224"/>
                 </a:solidFill>
               </a:rPr>
-              <a:t>Workbench – MySQL</a:t>
-            </a:r>
+              <a:t>Workbench </a:t>
+            </a:r>
+            <a:r>
+              <a:rPr lang="en-US" sz="1600" b="1" dirty="0" smtClean="0">
+                <a:solidFill>
+                  <a:srgbClr val="222224"/>
+                </a:solidFill>
+              </a:rPr>
+              <a:t>– </a:t>
+            </a:r>
+            <a:r>
+              <a:rPr lang="en-US" sz="1600" b="1" dirty="0" smtClean="0">
+                <a:solidFill>
+                  <a:srgbClr val="222224"/>
+                </a:solidFill>
+              </a:rPr>
+              <a:t>MySQL </a:t>
+            </a:r>
+          </a:p>
+          <a:p>
+            <a:pPr marL="285750" indent="-285750">
+              <a:buFont typeface="Arial" panose="020B0604020202020204" pitchFamily="34" charset="0"/>
+              <a:buChar char="•"/>
+            </a:pPr>
+            <a:r>
+              <a:rPr lang="en-US" sz="1600" dirty="0" smtClean="0">
+                <a:solidFill>
+                  <a:srgbClr val="222224"/>
+                </a:solidFill>
+              </a:rPr>
+              <a:t>Designing </a:t>
+            </a:r>
+            <a:r>
+              <a:rPr lang="en-US" sz="1600" dirty="0" smtClean="0">
+                <a:solidFill>
+                  <a:srgbClr val="222224"/>
+                </a:solidFill>
+              </a:rPr>
+              <a:t>a </a:t>
+            </a:r>
+            <a:r>
+              <a:rPr lang="en-US" sz="1600" dirty="0" smtClean="0">
+                <a:solidFill>
+                  <a:srgbClr val="222224"/>
+                </a:solidFill>
+              </a:rPr>
+              <a:t>database (Creating a relationship between the Customer and the Restaurant table and other tables in a system)</a:t>
+            </a:r>
+          </a:p>
+          <a:p>
+            <a:pPr marL="285750" indent="-285750">
+              <a:buFont typeface="Arial" panose="020B0604020202020204" pitchFamily="34" charset="0"/>
+              <a:buChar char="•"/>
+            </a:pPr>
+            <a:r>
+              <a:rPr lang="en-US" sz="1600" dirty="0" smtClean="0">
+                <a:solidFill>
+                  <a:srgbClr val="222224"/>
+                </a:solidFill>
+              </a:rPr>
+              <a:t>Creating database objects such as Functions, Procedures, Views, and Triggers for easy searching, adding, updating, and deleting the products and users. And making contains among tables</a:t>
+            </a:r>
+            <a:endParaRPr lang="en-US" sz="1600" dirty="0" smtClean="0">
+              <a:solidFill>
+                <a:srgbClr val="222224"/>
+              </a:solidFill>
+            </a:endParaRPr>
           </a:p>
           <a:p>
             <a:pPr marL="342892" indent="-342892">
@@ -4320,55 +4453,10 @@
               <a:buChar char="•"/>
             </a:pPr>
             <a:r>
-              <a:rPr lang="en-US" sz="1600" dirty="0" smtClean="0">
-                <a:solidFill>
-                  <a:srgbClr val="222224"/>
-                </a:solidFill>
-              </a:rPr>
-              <a:t>Designing a database</a:t>
-            </a:r>
-          </a:p>
-          <a:p>
-            <a:pPr marL="342892" indent="-342892">
-              <a:buFont typeface="Arial" panose="020B0604020202020204" pitchFamily="34" charset="0"/>
-              <a:buChar char="•"/>
-            </a:pPr>
-            <a:r>
-              <a:rPr lang="en-US" sz="1600" dirty="0" smtClean="0">
-                <a:solidFill>
-                  <a:srgbClr val="222224"/>
-                </a:solidFill>
-              </a:rPr>
-              <a:t>Reading project requirements</a:t>
-            </a:r>
-          </a:p>
-          <a:p>
-            <a:pPr marL="342892" indent="-342892">
-              <a:buFont typeface="Arial" panose="020B0604020202020204" pitchFamily="34" charset="0"/>
-              <a:buChar char="•"/>
-            </a:pPr>
-            <a:r>
-              <a:rPr lang="en-US" sz="1600" dirty="0" smtClean="0">
-                <a:solidFill>
-                  <a:srgbClr val="222224"/>
-                </a:solidFill>
-              </a:rPr>
-              <a:t>Creating tables and making relationships and creating queries</a:t>
-            </a:r>
-          </a:p>
-          <a:p>
-            <a:pPr marL="342892" indent="-342892">
-              <a:buFont typeface="Arial" panose="020B0604020202020204" pitchFamily="34" charset="0"/>
-              <a:buChar char="•"/>
-            </a:pPr>
-            <a:r>
-              <a:rPr lang="en-US" sz="1600" dirty="0" smtClean="0">
-                <a:solidFill>
-                  <a:srgbClr val="222224"/>
-                </a:solidFill>
-              </a:rPr>
-              <a:t>Presentation about project</a:t>
-            </a:r>
+              <a:rPr lang="en-US" sz="1600" dirty="0" smtClean="0"/>
+              <a:t>Presenting the project</a:t>
+            </a:r>
+            <a:endParaRPr lang="en-US" sz="1600" dirty="0" smtClean="0"/>
           </a:p>
           <a:p>
             <a:pPr marL="342892" indent="-342892">
@@ -4380,152 +4468,6 @@
                 <a:srgbClr val="222224"/>
               </a:solidFill>
             </a:endParaRPr>
-          </a:p>
-        </p:txBody>
-      </p:sp>
-      <p:sp>
-        <p:nvSpPr>
-          <p:cNvPr id="45" name="TextBox 44"/>
-          <p:cNvSpPr txBox="1"/>
-          <p:nvPr/>
-        </p:nvSpPr>
-        <p:spPr>
-          <a:xfrm>
-            <a:off x="2615809" y="6604602"/>
-            <a:ext cx="5639733" cy="1323439"/>
-          </a:xfrm>
-          <a:prstGeom prst="rect">
-            <a:avLst/>
-          </a:prstGeom>
-          <a:noFill/>
-        </p:spPr>
-        <p:txBody>
-          <a:bodyPr wrap="square" rtlCol="0">
-            <a:spAutoFit/>
-          </a:bodyPr>
-          <a:lstStyle/>
-          <a:p>
-            <a:r>
-              <a:rPr lang="en-US" sz="1600" b="1" dirty="0">
-                <a:solidFill>
-                  <a:srgbClr val="FAD30C"/>
-                </a:solidFill>
-              </a:rPr>
-              <a:t>COSMETICS SELL </a:t>
-            </a:r>
-            <a:r>
-              <a:rPr lang="en-US" sz="1600" b="1" dirty="0" smtClean="0">
-                <a:solidFill>
-                  <a:srgbClr val="FAD30C"/>
-                </a:solidFill>
-              </a:rPr>
-              <a:t>WEBSITE</a:t>
-            </a:r>
-            <a:r>
-              <a:rPr lang="en-US" sz="1600" b="1" dirty="0" smtClean="0">
-                <a:solidFill>
-                  <a:srgbClr val="222224"/>
-                </a:solidFill>
-              </a:rPr>
-              <a:t>	            </a:t>
-            </a:r>
-            <a:r>
-              <a:rPr lang="en-US" sz="1600" b="1" i="1" dirty="0" smtClean="0">
-                <a:solidFill>
-                  <a:srgbClr val="222224"/>
-                </a:solidFill>
-              </a:rPr>
-              <a:t>Nov 2022 </a:t>
-            </a:r>
-            <a:r>
-              <a:rPr lang="en-US" sz="1600" b="1" i="1" dirty="0">
-                <a:solidFill>
-                  <a:srgbClr val="222224"/>
-                </a:solidFill>
-              </a:rPr>
-              <a:t> – </a:t>
-            </a:r>
-            <a:r>
-              <a:rPr lang="en-US" sz="1600" b="1" i="1" dirty="0" smtClean="0">
-                <a:solidFill>
-                  <a:srgbClr val="222224"/>
-                </a:solidFill>
-              </a:rPr>
-              <a:t> Dec 2022</a:t>
-            </a:r>
-            <a:endParaRPr lang="en-US" sz="1600" b="1" dirty="0" smtClean="0">
-              <a:solidFill>
-                <a:srgbClr val="222224"/>
-              </a:solidFill>
-            </a:endParaRPr>
-          </a:p>
-          <a:p>
-            <a:r>
-              <a:rPr lang="en-US" sz="1600" b="1" dirty="0" smtClean="0">
-                <a:solidFill>
-                  <a:srgbClr val="222224"/>
-                </a:solidFill>
-              </a:rPr>
-              <a:t>Visual </a:t>
-            </a:r>
-            <a:r>
-              <a:rPr lang="en-US" sz="1600" b="1" dirty="0">
-                <a:solidFill>
-                  <a:srgbClr val="222224"/>
-                </a:solidFill>
-              </a:rPr>
-              <a:t>Studio Code - HTML, CSS, Bootstrap</a:t>
-            </a:r>
-          </a:p>
-          <a:p>
-            <a:pPr marL="342892" indent="-342892">
-              <a:buFont typeface="Arial" panose="020B0604020202020204" pitchFamily="34" charset="0"/>
-              <a:buChar char="•"/>
-            </a:pPr>
-            <a:r>
-              <a:rPr lang="en-US" sz="1600" dirty="0" smtClean="0">
-                <a:solidFill>
-                  <a:srgbClr val="222224"/>
-                </a:solidFill>
-              </a:rPr>
-              <a:t>Following </a:t>
-            </a:r>
-            <a:r>
-              <a:rPr lang="en-US" sz="1600" dirty="0">
-                <a:solidFill>
-                  <a:srgbClr val="222224"/>
-                </a:solidFill>
-              </a:rPr>
-              <a:t>the available website</a:t>
-            </a:r>
-          </a:p>
-          <a:p>
-            <a:pPr marL="342892" indent="-342892">
-              <a:buFont typeface="Arial" panose="020B0604020202020204" pitchFamily="34" charset="0"/>
-              <a:buChar char="•"/>
-            </a:pPr>
-            <a:r>
-              <a:rPr lang="en-US" sz="1600" dirty="0">
-                <a:solidFill>
-                  <a:srgbClr val="222224"/>
-                </a:solidFill>
-              </a:rPr>
-              <a:t>Analyzing how to do and code</a:t>
-            </a:r>
-          </a:p>
-          <a:p>
-            <a:pPr marL="342892" indent="-342892">
-              <a:buFont typeface="Arial" panose="020B0604020202020204" pitchFamily="34" charset="0"/>
-              <a:buChar char="•"/>
-            </a:pPr>
-            <a:r>
-              <a:rPr lang="en-US" sz="1600" dirty="0">
-                <a:solidFill>
-                  <a:srgbClr val="222224"/>
-                </a:solidFill>
-              </a:rPr>
-              <a:t>Presentation</a:t>
-            </a:r>
           </a:p>
         </p:txBody>
       </p:sp>
@@ -4993,14 +4935,14 @@
             <a:r>
               <a:rPr lang="en-US" sz="1800" b="1" dirty="0" smtClean="0">
                 <a:solidFill>
-                  <a:srgbClr val="FFFFFF"/>
-                </a:solidFill>
-              </a:rPr>
-              <a:t>PROJECT</a:t>
+                  <a:schemeClr val="bg1"/>
+                </a:solidFill>
+              </a:rPr>
+              <a:t>PROJECTS</a:t>
             </a:r>
             <a:endParaRPr lang="en-US" sz="1800" b="1" dirty="0">
               <a:solidFill>
-                <a:srgbClr val="FFFFFF"/>
+                <a:schemeClr val="bg1"/>
               </a:solidFill>
             </a:endParaRPr>
           </a:p>
@@ -5015,7 +4957,7 @@
         <p:spPr>
           <a:xfrm>
             <a:off x="2615809" y="4309492"/>
-            <a:ext cx="5619591" cy="2062103"/>
+            <a:ext cx="5619591" cy="2554545"/>
           </a:xfrm>
           <a:prstGeom prst="rect">
             <a:avLst/>
@@ -5034,25 +4976,65 @@
                   <a:srgbClr val="FFC000"/>
                 </a:solidFill>
               </a:rPr>
-              <a:t>DOCTOR BOOKING WEBSITE</a:t>
-            </a:r>
+              <a:t>DOCTOR BOOKING WEBSITE                             </a:t>
+            </a:r>
+            <a:r>
+              <a:rPr lang="en-US" sz="1600" b="1" i="1" dirty="0" smtClean="0"/>
+              <a:t>Dec 2022 </a:t>
+            </a:r>
+            <a:r>
+              <a:rPr lang="en-US" sz="1600" b="1" i="1" dirty="0" smtClean="0">
+                <a:solidFill>
+                  <a:srgbClr val="222224"/>
+                </a:solidFill>
+              </a:rPr>
+              <a:t>– </a:t>
+            </a:r>
+            <a:r>
+              <a:rPr lang="en-US" sz="1600" b="1" i="1" dirty="0" smtClean="0">
+                <a:solidFill>
+                  <a:srgbClr val="222224"/>
+                </a:solidFill>
+              </a:rPr>
+              <a:t>Jan 2023</a:t>
+            </a:r>
+            <a:endParaRPr lang="en-US" sz="1600" b="1" i="1" dirty="0" smtClean="0">
+              <a:solidFill>
+                <a:srgbClr val="222224"/>
+              </a:solidFill>
+            </a:endParaRPr>
+          </a:p>
+          <a:p>
+            <a:endParaRPr lang="en-US" sz="1600" b="1" dirty="0" smtClean="0">
+              <a:solidFill>
+                <a:srgbClr val="222224"/>
+              </a:solidFill>
+            </a:endParaRPr>
+          </a:p>
+          <a:p>
             <a:r>
               <a:rPr lang="en-US" sz="1600" b="1" dirty="0" smtClean="0">
                 <a:solidFill>
                   <a:srgbClr val="222224"/>
                 </a:solidFill>
               </a:rPr>
-              <a:t>                                  	             Jan  2023</a:t>
-            </a:r>
-          </a:p>
-          <a:p>
+              <a:t>HTML</a:t>
+            </a:r>
             <a:r>
               <a:rPr lang="en-US" sz="1600" b="1" dirty="0" smtClean="0">
                 <a:solidFill>
                   <a:srgbClr val="222224"/>
                 </a:solidFill>
               </a:rPr>
-              <a:t>HTML, CSS, JavaScript, GitHub</a:t>
+              <a:t>, CSS, JavaScript, </a:t>
+            </a:r>
+            <a:r>
+              <a:rPr lang="en-US" sz="1600" b="1" dirty="0" smtClean="0">
+                <a:solidFill>
+                  <a:srgbClr val="222224"/>
+                </a:solidFill>
+              </a:rPr>
+              <a:t>GitHub</a:t>
             </a:r>
             <a:endParaRPr lang="en-US" sz="1600" b="1" dirty="0">
               <a:solidFill>
@@ -5071,7 +5053,23 @@
                   <a:srgbClr val="222224"/>
                 </a:solidFill>
               </a:rPr>
-              <a:t> Linking Mock API, JSON-Server to get Data</a:t>
+              <a:t> Linking Mock API, </a:t>
+            </a:r>
+            <a:r>
+              <a:rPr lang="en-US" sz="1600" dirty="0" smtClean="0">
+                <a:solidFill>
+                  <a:srgbClr val="222224"/>
+                </a:solidFill>
+              </a:rPr>
+              <a:t>JSON-Server to  get </a:t>
+            </a:r>
+            <a:r>
+              <a:rPr lang="en-US" sz="1600" dirty="0" smtClean="0">
+                <a:solidFill>
+                  <a:srgbClr val="222224"/>
+                </a:solidFill>
+              </a:rPr>
+              <a:t>Data</a:t>
             </a:r>
           </a:p>
           <a:p>
@@ -5085,8 +5083,29 @@
                   <a:srgbClr val="222224"/>
                 </a:solidFill>
               </a:rPr>
-              <a:t> Designing validation for form</a:t>
-            </a:r>
+              <a:t> Designing validation for </a:t>
+            </a:r>
+            <a:r>
+              <a:rPr lang="en-US" sz="1600" dirty="0" smtClean="0">
+                <a:solidFill>
+                  <a:srgbClr val="222224"/>
+                </a:solidFill>
+              </a:rPr>
+              <a:t>form login, logout</a:t>
+            </a:r>
+            <a:r>
+              <a:rPr lang="en-US" sz="1600" dirty="0" smtClean="0">
+                <a:solidFill>
+                  <a:srgbClr val="222224"/>
+                </a:solidFill>
+              </a:rPr>
+              <a:t>, and register </a:t>
+            </a:r>
+            <a:endParaRPr lang="en-US" sz="1600" dirty="0" smtClean="0">
+              <a:solidFill>
+                <a:srgbClr val="222224"/>
+              </a:solidFill>
+            </a:endParaRPr>
           </a:p>
           <a:p>
             <a:pPr marL="285750" indent="-285750">
@@ -5142,7 +5161,26 @@
                   <a:srgbClr val="222224"/>
                 </a:solidFill>
               </a:rPr>
-              <a:t>Developing main functions: display, search, </a:t>
+              <a:t>Developing main functions</a:t>
+            </a:r>
+            <a:r>
+              <a:rPr lang="en-US" sz="1600" dirty="0"/>
+              <a:t>: </a:t>
+            </a:r>
+            <a:r>
+              <a:rPr lang="en-US" sz="1600" dirty="0" smtClean="0"/>
+              <a:t>displaying, searching, adding</a:t>
+            </a:r>
+            <a:endParaRPr lang="en-US" sz="1600" dirty="0"/>
+          </a:p>
+          <a:p>
+            <a:r>
+              <a:rPr lang="en-US" sz="1600" dirty="0" smtClean="0"/>
+              <a:t>       and </a:t>
+            </a:r>
+            <a:r>
+              <a:rPr lang="en-US" sz="1600" dirty="0" smtClean="0"/>
+              <a:t>deleting </a:t>
             </a:r>
             <a:r>
               <a:rPr lang="en-US" sz="1600" dirty="0" smtClean="0">
@@ -5150,23 +5188,21 @@
                   <a:srgbClr val="222224"/>
                 </a:solidFill>
               </a:rPr>
-              <a:t>add</a:t>
-            </a:r>
-            <a:endParaRPr lang="en-US" sz="1600" dirty="0">
+              <a:t>the user’s </a:t>
+            </a:r>
+            <a:r>
+              <a:rPr lang="en-US" sz="1600" dirty="0" smtClean="0">
+                <a:solidFill>
+                  <a:srgbClr val="222224"/>
+                </a:solidFill>
+              </a:rPr>
+              <a:t>information and products</a:t>
+            </a:r>
+            <a:endParaRPr lang="en-US" sz="1600" dirty="0" smtClean="0">
               <a:solidFill>
-                <a:srgbClr val="222224"/>
+                <a:srgbClr val="FF0000"/>
               </a:solidFill>
             </a:endParaRPr>
-          </a:p>
-          <a:p>
-            <a:r>
-              <a:rPr lang="en-US" sz="1600" dirty="0" smtClean="0">
-                <a:solidFill>
-                  <a:srgbClr val="222224"/>
-                </a:solidFill>
-              </a:rPr>
-              <a:t>       and delete the user’s information</a:t>
-            </a:r>
           </a:p>
           <a:p>
             <a:pPr marL="285750" indent="-285750">
@@ -5187,7 +5223,15 @@
                   <a:srgbClr val="222224"/>
                 </a:solidFill>
               </a:rPr>
-              <a:t> code using GitHub</a:t>
+              <a:t> code using </a:t>
+            </a:r>
+            <a:r>
+              <a:rPr lang="en-US" sz="1600" dirty="0" smtClean="0">
+                <a:solidFill>
+                  <a:srgbClr val="222224"/>
+                </a:solidFill>
+              </a:rPr>
+              <a:t>GitHub (Creating an individual branch, pulling code, pushing code, merging code, solving conflict …)</a:t>
             </a:r>
             <a:endParaRPr lang="en-US" sz="1600" dirty="0">
               <a:solidFill>
@@ -5386,7 +5430,7 @@
         <p:spPr>
           <a:xfrm>
             <a:off x="77585" y="8015281"/>
-            <a:ext cx="2281744" cy="2554545"/>
+            <a:ext cx="2281744" cy="2308324"/>
           </a:xfrm>
           <a:prstGeom prst="rect">
             <a:avLst/>
@@ -5407,17 +5451,27 @@
               </a:rPr>
               <a:t>Giving  Gifts  </a:t>
             </a:r>
-          </a:p>
-          <a:p>
-            <a:pPr algn="r"/>
+            <a:r>
+              <a:rPr lang="en-US" sz="1600" b="1" dirty="0">
+                <a:solidFill>
+                  <a:srgbClr val="FFFFFF"/>
+                </a:solidFill>
+              </a:rPr>
+              <a:t>Nov  </a:t>
+            </a:r>
             <a:r>
               <a:rPr lang="en-US" sz="1600" b="1" dirty="0" smtClean="0">
                 <a:solidFill>
                   <a:srgbClr val="FFFFFF"/>
                 </a:solidFill>
               </a:rPr>
-              <a:t>Nov  2022</a:t>
-            </a:r>
+              <a:t>2022</a:t>
+            </a:r>
+            <a:endParaRPr lang="en-US" sz="1600" b="1" dirty="0" smtClean="0">
+              <a:solidFill>
+                <a:srgbClr val="FFFFFF"/>
+              </a:solidFill>
+            </a:endParaRPr>
           </a:p>
           <a:p>
             <a:pPr marL="285750" indent="-285750">
@@ -5430,7 +5484,15 @@
                   <a:srgbClr val="FFFFFF"/>
                 </a:solidFill>
               </a:rPr>
-              <a:t>Team member</a:t>
+              <a:t>Team </a:t>
+            </a:r>
+            <a:r>
+              <a:rPr lang="en-US" sz="1600" dirty="0" smtClean="0">
+                <a:solidFill>
+                  <a:srgbClr val="FFFFFF"/>
+                </a:solidFill>
+              </a:rPr>
+              <a:t>member</a:t>
             </a:r>
           </a:p>
           <a:p>
@@ -5600,7 +5662,7 @@
                   <a:srgbClr val="FFFFFF"/>
                 </a:solidFill>
               </a:rPr>
-              <a:t>Drinking coffee</a:t>
+              <a:t>Analyzing</a:t>
             </a:r>
           </a:p>
           <a:p>
@@ -5614,8 +5676,13 @@
                   <a:srgbClr val="FFFFFF"/>
                 </a:solidFill>
               </a:rPr>
-              <a:t>Analyzing</a:t>
-            </a:r>
+              <a:t>Drinking coffee</a:t>
+            </a:r>
+            <a:endParaRPr lang="en-US" sz="1600" dirty="0">
+              <a:solidFill>
+                <a:srgbClr val="FFFFFF"/>
+              </a:solidFill>
+            </a:endParaRPr>
           </a:p>
         </p:txBody>
       </p:sp>

--- a/main CV.pptx
+++ b/main CV.pptx
@@ -154,7 +154,7 @@
           </a:lstStyle>
           <a:p>
             <a:r>
-              <a:rPr lang="en-US" smtClean="0"/>
+              <a:rPr lang="en-US"/>
               <a:t>Click to edit Master title style</a:t>
             </a:r>
             <a:endParaRPr lang="en-US" dirty="0"/>
@@ -219,7 +219,7 @@
           </a:lstStyle>
           <a:p>
             <a:r>
-              <a:rPr lang="en-US" smtClean="0"/>
+              <a:rPr lang="en-US"/>
               <a:t>Click to edit Master subtitle style</a:t>
             </a:r>
             <a:endParaRPr lang="en-US" dirty="0"/>
@@ -243,7 +243,7 @@
           <a:p>
             <a:fld id="{633CFB94-3A9B-4BCC-97D0-AD2F45E975D2}" type="datetimeFigureOut">
               <a:rPr lang="en-US" smtClean="0"/>
-              <a:t>3/16/2023</a:t>
+              <a:t>5/11/2023</a:t>
             </a:fld>
             <a:endParaRPr lang="en-US"/>
           </a:p>
@@ -337,7 +337,7 @@
           <a:lstStyle/>
           <a:p>
             <a:r>
-              <a:rPr lang="en-US" smtClean="0"/>
+              <a:rPr lang="en-US"/>
               <a:t>Click to edit Master title style</a:t>
             </a:r>
             <a:endParaRPr lang="en-US" dirty="0"/>
@@ -361,35 +361,35 @@
           <a:p>
             <a:pPr lvl="0"/>
             <a:r>
-              <a:rPr lang="en-US" smtClean="0"/>
+              <a:rPr lang="en-US"/>
               <a:t>Edit Master text styles</a:t>
             </a:r>
           </a:p>
           <a:p>
             <a:pPr lvl="1"/>
             <a:r>
-              <a:rPr lang="en-US" smtClean="0"/>
+              <a:rPr lang="en-US"/>
               <a:t>Second level</a:t>
             </a:r>
           </a:p>
           <a:p>
             <a:pPr lvl="2"/>
             <a:r>
-              <a:rPr lang="en-US" smtClean="0"/>
+              <a:rPr lang="en-US"/>
               <a:t>Third level</a:t>
             </a:r>
           </a:p>
           <a:p>
             <a:pPr lvl="3"/>
             <a:r>
-              <a:rPr lang="en-US" smtClean="0"/>
+              <a:rPr lang="en-US"/>
               <a:t>Fourth level</a:t>
             </a:r>
           </a:p>
           <a:p>
             <a:pPr lvl="4"/>
             <a:r>
-              <a:rPr lang="en-US" smtClean="0"/>
+              <a:rPr lang="en-US"/>
               <a:t>Fifth level</a:t>
             </a:r>
             <a:endParaRPr lang="en-US" dirty="0"/>
@@ -413,7 +413,7 @@
           <a:p>
             <a:fld id="{633CFB94-3A9B-4BCC-97D0-AD2F45E975D2}" type="datetimeFigureOut">
               <a:rPr lang="en-US" smtClean="0"/>
-              <a:t>3/16/2023</a:t>
+              <a:t>5/11/2023</a:t>
             </a:fld>
             <a:endParaRPr lang="en-US"/>
           </a:p>
@@ -512,7 +512,7 @@
           <a:lstStyle/>
           <a:p>
             <a:r>
-              <a:rPr lang="en-US" smtClean="0"/>
+              <a:rPr lang="en-US"/>
               <a:t>Click to edit Master title style</a:t>
             </a:r>
             <a:endParaRPr lang="en-US" dirty="0"/>
@@ -541,35 +541,35 @@
           <a:p>
             <a:pPr lvl="0"/>
             <a:r>
-              <a:rPr lang="en-US" smtClean="0"/>
+              <a:rPr lang="en-US"/>
               <a:t>Edit Master text styles</a:t>
             </a:r>
           </a:p>
           <a:p>
             <a:pPr lvl="1"/>
             <a:r>
-              <a:rPr lang="en-US" smtClean="0"/>
+              <a:rPr lang="en-US"/>
               <a:t>Second level</a:t>
             </a:r>
           </a:p>
           <a:p>
             <a:pPr lvl="2"/>
             <a:r>
-              <a:rPr lang="en-US" smtClean="0"/>
+              <a:rPr lang="en-US"/>
               <a:t>Third level</a:t>
             </a:r>
           </a:p>
           <a:p>
             <a:pPr lvl="3"/>
             <a:r>
-              <a:rPr lang="en-US" smtClean="0"/>
+              <a:rPr lang="en-US"/>
               <a:t>Fourth level</a:t>
             </a:r>
           </a:p>
           <a:p>
             <a:pPr lvl="4"/>
             <a:r>
-              <a:rPr lang="en-US" smtClean="0"/>
+              <a:rPr lang="en-US"/>
               <a:t>Fifth level</a:t>
             </a:r>
             <a:endParaRPr lang="en-US" dirty="0"/>
@@ -593,7 +593,7 @@
           <a:p>
             <a:fld id="{633CFB94-3A9B-4BCC-97D0-AD2F45E975D2}" type="datetimeFigureOut">
               <a:rPr lang="en-US" smtClean="0"/>
-              <a:t>3/16/2023</a:t>
+              <a:t>5/11/2023</a:t>
             </a:fld>
             <a:endParaRPr lang="en-US"/>
           </a:p>
@@ -687,7 +687,7 @@
           <a:lstStyle/>
           <a:p>
             <a:r>
-              <a:rPr lang="en-US" smtClean="0"/>
+              <a:rPr lang="en-US"/>
               <a:t>Click to edit Master title style</a:t>
             </a:r>
             <a:endParaRPr lang="en-US" dirty="0"/>
@@ -711,35 +711,35 @@
           <a:p>
             <a:pPr lvl="0"/>
             <a:r>
-              <a:rPr lang="en-US" smtClean="0"/>
+              <a:rPr lang="en-US"/>
               <a:t>Edit Master text styles</a:t>
             </a:r>
           </a:p>
           <a:p>
             <a:pPr lvl="1"/>
             <a:r>
-              <a:rPr lang="en-US" smtClean="0"/>
+              <a:rPr lang="en-US"/>
               <a:t>Second level</a:t>
             </a:r>
           </a:p>
           <a:p>
             <a:pPr lvl="2"/>
             <a:r>
-              <a:rPr lang="en-US" smtClean="0"/>
+              <a:rPr lang="en-US"/>
               <a:t>Third level</a:t>
             </a:r>
           </a:p>
           <a:p>
             <a:pPr lvl="3"/>
             <a:r>
-              <a:rPr lang="en-US" smtClean="0"/>
+              <a:rPr lang="en-US"/>
               <a:t>Fourth level</a:t>
             </a:r>
           </a:p>
           <a:p>
             <a:pPr lvl="4"/>
             <a:r>
-              <a:rPr lang="en-US" smtClean="0"/>
+              <a:rPr lang="en-US"/>
               <a:t>Fifth level</a:t>
             </a:r>
             <a:endParaRPr lang="en-US" dirty="0"/>
@@ -763,7 +763,7 @@
           <a:p>
             <a:fld id="{633CFB94-3A9B-4BCC-97D0-AD2F45E975D2}" type="datetimeFigureOut">
               <a:rPr lang="en-US" smtClean="0"/>
-              <a:t>3/16/2023</a:t>
+              <a:t>5/11/2023</a:t>
             </a:fld>
             <a:endParaRPr lang="en-US"/>
           </a:p>
@@ -866,7 +866,7 @@
           </a:lstStyle>
           <a:p>
             <a:r>
-              <a:rPr lang="en-US" smtClean="0"/>
+              <a:rPr lang="en-US"/>
               <a:t>Click to edit Master title style</a:t>
             </a:r>
             <a:endParaRPr lang="en-US" dirty="0"/>
@@ -984,7 +984,7 @@
           <a:p>
             <a:pPr lvl="0"/>
             <a:r>
-              <a:rPr lang="en-US" smtClean="0"/>
+              <a:rPr lang="en-US"/>
               <a:t>Edit Master text styles</a:t>
             </a:r>
           </a:p>
@@ -1007,7 +1007,7 @@
           <a:p>
             <a:fld id="{633CFB94-3A9B-4BCC-97D0-AD2F45E975D2}" type="datetimeFigureOut">
               <a:rPr lang="en-US" smtClean="0"/>
-              <a:t>3/16/2023</a:t>
+              <a:t>5/11/2023</a:t>
             </a:fld>
             <a:endParaRPr lang="en-US"/>
           </a:p>
@@ -1101,7 +1101,7 @@
           <a:lstStyle/>
           <a:p>
             <a:r>
-              <a:rPr lang="en-US" smtClean="0"/>
+              <a:rPr lang="en-US"/>
               <a:t>Click to edit Master title style</a:t>
             </a:r>
             <a:endParaRPr lang="en-US" dirty="0"/>
@@ -1130,35 +1130,35 @@
           <a:p>
             <a:pPr lvl="0"/>
             <a:r>
-              <a:rPr lang="en-US" smtClean="0"/>
+              <a:rPr lang="en-US"/>
               <a:t>Edit Master text styles</a:t>
             </a:r>
           </a:p>
           <a:p>
             <a:pPr lvl="1"/>
             <a:r>
-              <a:rPr lang="en-US" smtClean="0"/>
+              <a:rPr lang="en-US"/>
               <a:t>Second level</a:t>
             </a:r>
           </a:p>
           <a:p>
             <a:pPr lvl="2"/>
             <a:r>
-              <a:rPr lang="en-US" smtClean="0"/>
+              <a:rPr lang="en-US"/>
               <a:t>Third level</a:t>
             </a:r>
           </a:p>
           <a:p>
             <a:pPr lvl="3"/>
             <a:r>
-              <a:rPr lang="en-US" smtClean="0"/>
+              <a:rPr lang="en-US"/>
               <a:t>Fourth level</a:t>
             </a:r>
           </a:p>
           <a:p>
             <a:pPr lvl="4"/>
             <a:r>
-              <a:rPr lang="en-US" smtClean="0"/>
+              <a:rPr lang="en-US"/>
               <a:t>Fifth level</a:t>
             </a:r>
             <a:endParaRPr lang="en-US" dirty="0"/>
@@ -1187,35 +1187,35 @@
           <a:p>
             <a:pPr lvl="0"/>
             <a:r>
-              <a:rPr lang="en-US" smtClean="0"/>
+              <a:rPr lang="en-US"/>
               <a:t>Edit Master text styles</a:t>
             </a:r>
           </a:p>
           <a:p>
             <a:pPr lvl="1"/>
             <a:r>
-              <a:rPr lang="en-US" smtClean="0"/>
+              <a:rPr lang="en-US"/>
               <a:t>Second level</a:t>
             </a:r>
           </a:p>
           <a:p>
             <a:pPr lvl="2"/>
             <a:r>
-              <a:rPr lang="en-US" smtClean="0"/>
+              <a:rPr lang="en-US"/>
               <a:t>Third level</a:t>
             </a:r>
           </a:p>
           <a:p>
             <a:pPr lvl="3"/>
             <a:r>
-              <a:rPr lang="en-US" smtClean="0"/>
+              <a:rPr lang="en-US"/>
               <a:t>Fourth level</a:t>
             </a:r>
           </a:p>
           <a:p>
             <a:pPr lvl="4"/>
             <a:r>
-              <a:rPr lang="en-US" smtClean="0"/>
+              <a:rPr lang="en-US"/>
               <a:t>Fifth level</a:t>
             </a:r>
             <a:endParaRPr lang="en-US" dirty="0"/>
@@ -1239,7 +1239,7 @@
           <a:p>
             <a:fld id="{633CFB94-3A9B-4BCC-97D0-AD2F45E975D2}" type="datetimeFigureOut">
               <a:rPr lang="en-US" smtClean="0"/>
-              <a:t>3/16/2023</a:t>
+              <a:t>5/11/2023</a:t>
             </a:fld>
             <a:endParaRPr lang="en-US"/>
           </a:p>
@@ -1338,7 +1338,7 @@
           <a:lstStyle/>
           <a:p>
             <a:r>
-              <a:rPr lang="en-US" smtClean="0"/>
+              <a:rPr lang="en-US"/>
               <a:t>Click to edit Master title style</a:t>
             </a:r>
             <a:endParaRPr lang="en-US" dirty="0"/>
@@ -1404,7 +1404,7 @@
           <a:p>
             <a:pPr lvl="0"/>
             <a:r>
-              <a:rPr lang="en-US" smtClean="0"/>
+              <a:rPr lang="en-US"/>
               <a:t>Edit Master text styles</a:t>
             </a:r>
           </a:p>
@@ -1432,35 +1432,35 @@
           <a:p>
             <a:pPr lvl="0"/>
             <a:r>
-              <a:rPr lang="en-US" smtClean="0"/>
+              <a:rPr lang="en-US"/>
               <a:t>Edit Master text styles</a:t>
             </a:r>
           </a:p>
           <a:p>
             <a:pPr lvl="1"/>
             <a:r>
-              <a:rPr lang="en-US" smtClean="0"/>
+              <a:rPr lang="en-US"/>
               <a:t>Second level</a:t>
             </a:r>
           </a:p>
           <a:p>
             <a:pPr lvl="2"/>
             <a:r>
-              <a:rPr lang="en-US" smtClean="0"/>
+              <a:rPr lang="en-US"/>
               <a:t>Third level</a:t>
             </a:r>
           </a:p>
           <a:p>
             <a:pPr lvl="3"/>
             <a:r>
-              <a:rPr lang="en-US" smtClean="0"/>
+              <a:rPr lang="en-US"/>
               <a:t>Fourth level</a:t>
             </a:r>
           </a:p>
           <a:p>
             <a:pPr lvl="4"/>
             <a:r>
-              <a:rPr lang="en-US" smtClean="0"/>
+              <a:rPr lang="en-US"/>
               <a:t>Fifth level</a:t>
             </a:r>
             <a:endParaRPr lang="en-US" dirty="0"/>
@@ -1526,7 +1526,7 @@
           <a:p>
             <a:pPr lvl="0"/>
             <a:r>
-              <a:rPr lang="en-US" smtClean="0"/>
+              <a:rPr lang="en-US"/>
               <a:t>Edit Master text styles</a:t>
             </a:r>
           </a:p>
@@ -1554,35 +1554,35 @@
           <a:p>
             <a:pPr lvl="0"/>
             <a:r>
-              <a:rPr lang="en-US" smtClean="0"/>
+              <a:rPr lang="en-US"/>
               <a:t>Edit Master text styles</a:t>
             </a:r>
           </a:p>
           <a:p>
             <a:pPr lvl="1"/>
             <a:r>
-              <a:rPr lang="en-US" smtClean="0"/>
+              <a:rPr lang="en-US"/>
               <a:t>Second level</a:t>
             </a:r>
           </a:p>
           <a:p>
             <a:pPr lvl="2"/>
             <a:r>
-              <a:rPr lang="en-US" smtClean="0"/>
+              <a:rPr lang="en-US"/>
               <a:t>Third level</a:t>
             </a:r>
           </a:p>
           <a:p>
             <a:pPr lvl="3"/>
             <a:r>
-              <a:rPr lang="en-US" smtClean="0"/>
+              <a:rPr lang="en-US"/>
               <a:t>Fourth level</a:t>
             </a:r>
           </a:p>
           <a:p>
             <a:pPr lvl="4"/>
             <a:r>
-              <a:rPr lang="en-US" smtClean="0"/>
+              <a:rPr lang="en-US"/>
               <a:t>Fifth level</a:t>
             </a:r>
             <a:endParaRPr lang="en-US" dirty="0"/>
@@ -1606,7 +1606,7 @@
           <a:p>
             <a:fld id="{633CFB94-3A9B-4BCC-97D0-AD2F45E975D2}" type="datetimeFigureOut">
               <a:rPr lang="en-US" smtClean="0"/>
-              <a:t>3/16/2023</a:t>
+              <a:t>5/11/2023</a:t>
             </a:fld>
             <a:endParaRPr lang="en-US"/>
           </a:p>
@@ -1700,7 +1700,7 @@
           <a:lstStyle/>
           <a:p>
             <a:r>
-              <a:rPr lang="en-US" smtClean="0"/>
+              <a:rPr lang="en-US"/>
               <a:t>Click to edit Master title style</a:t>
             </a:r>
             <a:endParaRPr lang="en-US" dirty="0"/>
@@ -1724,7 +1724,7 @@
           <a:p>
             <a:fld id="{633CFB94-3A9B-4BCC-97D0-AD2F45E975D2}" type="datetimeFigureOut">
               <a:rPr lang="en-US" smtClean="0"/>
-              <a:t>3/16/2023</a:t>
+              <a:t>5/11/2023</a:t>
             </a:fld>
             <a:endParaRPr lang="en-US"/>
           </a:p>
@@ -1819,7 +1819,7 @@
           <a:p>
             <a:fld id="{633CFB94-3A9B-4BCC-97D0-AD2F45E975D2}" type="datetimeFigureOut">
               <a:rPr lang="en-US" smtClean="0"/>
-              <a:t>3/16/2023</a:t>
+              <a:t>5/11/2023</a:t>
             </a:fld>
             <a:endParaRPr lang="en-US"/>
           </a:p>
@@ -1922,7 +1922,7 @@
           </a:lstStyle>
           <a:p>
             <a:r>
-              <a:rPr lang="en-US" smtClean="0"/>
+              <a:rPr lang="en-US"/>
               <a:t>Click to edit Master title style</a:t>
             </a:r>
             <a:endParaRPr lang="en-US" dirty="0"/>
@@ -1979,35 +1979,35 @@
           <a:p>
             <a:pPr lvl="0"/>
             <a:r>
-              <a:rPr lang="en-US" smtClean="0"/>
+              <a:rPr lang="en-US"/>
               <a:t>Edit Master text styles</a:t>
             </a:r>
           </a:p>
           <a:p>
             <a:pPr lvl="1"/>
             <a:r>
-              <a:rPr lang="en-US" smtClean="0"/>
+              <a:rPr lang="en-US"/>
               <a:t>Second level</a:t>
             </a:r>
           </a:p>
           <a:p>
             <a:pPr lvl="2"/>
             <a:r>
-              <a:rPr lang="en-US" smtClean="0"/>
+              <a:rPr lang="en-US"/>
               <a:t>Third level</a:t>
             </a:r>
           </a:p>
           <a:p>
             <a:pPr lvl="3"/>
             <a:r>
-              <a:rPr lang="en-US" smtClean="0"/>
+              <a:rPr lang="en-US"/>
               <a:t>Fourth level</a:t>
             </a:r>
           </a:p>
           <a:p>
             <a:pPr lvl="4"/>
             <a:r>
-              <a:rPr lang="en-US" smtClean="0"/>
+              <a:rPr lang="en-US"/>
               <a:t>Fifth level</a:t>
             </a:r>
             <a:endParaRPr lang="en-US" dirty="0"/>
@@ -2073,7 +2073,7 @@
           <a:p>
             <a:pPr lvl="0"/>
             <a:r>
-              <a:rPr lang="en-US" smtClean="0"/>
+              <a:rPr lang="en-US"/>
               <a:t>Edit Master text styles</a:t>
             </a:r>
           </a:p>
@@ -2096,7 +2096,7 @@
           <a:p>
             <a:fld id="{633CFB94-3A9B-4BCC-97D0-AD2F45E975D2}" type="datetimeFigureOut">
               <a:rPr lang="en-US" smtClean="0"/>
-              <a:t>3/16/2023</a:t>
+              <a:t>5/11/2023</a:t>
             </a:fld>
             <a:endParaRPr lang="en-US"/>
           </a:p>
@@ -2199,7 +2199,7 @@
           </a:lstStyle>
           <a:p>
             <a:r>
-              <a:rPr lang="en-US" smtClean="0"/>
+              <a:rPr lang="en-US"/>
               <a:t>Click to edit Master title style</a:t>
             </a:r>
             <a:endParaRPr lang="en-US" dirty="0"/>
@@ -2264,7 +2264,7 @@
           </a:lstStyle>
           <a:p>
             <a:r>
-              <a:rPr lang="en-US" smtClean="0"/>
+              <a:rPr lang="en-US"/>
               <a:t>Click icon to add picture</a:t>
             </a:r>
             <a:endParaRPr lang="en-US" dirty="0"/>
@@ -2330,7 +2330,7 @@
           <a:p>
             <a:pPr lvl="0"/>
             <a:r>
-              <a:rPr lang="en-US" smtClean="0"/>
+              <a:rPr lang="en-US"/>
               <a:t>Edit Master text styles</a:t>
             </a:r>
           </a:p>
@@ -2353,7 +2353,7 @@
           <a:p>
             <a:fld id="{633CFB94-3A9B-4BCC-97D0-AD2F45E975D2}" type="datetimeFigureOut">
               <a:rPr lang="en-US" smtClean="0"/>
-              <a:t>3/16/2023</a:t>
+              <a:t>5/11/2023</a:t>
             </a:fld>
             <a:endParaRPr lang="en-US"/>
           </a:p>
@@ -2462,7 +2462,7 @@
           <a:lstStyle/>
           <a:p>
             <a:r>
-              <a:rPr lang="en-US" smtClean="0"/>
+              <a:rPr lang="en-US"/>
               <a:t>Click to edit Master title style</a:t>
             </a:r>
             <a:endParaRPr lang="en-US" dirty="0"/>
@@ -2496,35 +2496,35 @@
           <a:p>
             <a:pPr lvl="0"/>
             <a:r>
-              <a:rPr lang="en-US" smtClean="0"/>
+              <a:rPr lang="en-US"/>
               <a:t>Edit Master text styles</a:t>
             </a:r>
           </a:p>
           <a:p>
             <a:pPr lvl="1"/>
             <a:r>
-              <a:rPr lang="en-US" smtClean="0"/>
+              <a:rPr lang="en-US"/>
               <a:t>Second level</a:t>
             </a:r>
           </a:p>
           <a:p>
             <a:pPr lvl="2"/>
             <a:r>
-              <a:rPr lang="en-US" smtClean="0"/>
+              <a:rPr lang="en-US"/>
               <a:t>Third level</a:t>
             </a:r>
           </a:p>
           <a:p>
             <a:pPr lvl="3"/>
             <a:r>
-              <a:rPr lang="en-US" smtClean="0"/>
+              <a:rPr lang="en-US"/>
               <a:t>Fourth level</a:t>
             </a:r>
           </a:p>
           <a:p>
             <a:pPr lvl="4"/>
             <a:r>
-              <a:rPr lang="en-US" smtClean="0"/>
+              <a:rPr lang="en-US"/>
               <a:t>Fifth level</a:t>
             </a:r>
             <a:endParaRPr lang="en-US" dirty="0"/>
@@ -2566,7 +2566,7 @@
           <a:p>
             <a:fld id="{633CFB94-3A9B-4BCC-97D0-AD2F45E975D2}" type="datetimeFigureOut">
               <a:rPr lang="en-US" smtClean="0"/>
-              <a:t>3/16/2023</a:t>
+              <a:t>5/11/2023</a:t>
             </a:fld>
             <a:endParaRPr lang="en-US"/>
           </a:p>
@@ -3266,18 +3266,13 @@
               <a:lstStyle/>
               <a:p>
                 <a:r>
-                  <a:rPr lang="en-US" sz="1800" i="1" dirty="0" smtClean="0">
+                  <a:rPr lang="en-US" sz="1800" i="1" dirty="0">
                     <a:solidFill>
                       <a:srgbClr val="FAD30C"/>
                     </a:solidFill>
                   </a:rPr>
                   <a:t>Back-End  Intern</a:t>
                 </a:r>
-                <a:endParaRPr lang="en-US" sz="1800" i="1" dirty="0">
-                  <a:solidFill>
-                    <a:srgbClr val="FAD30C"/>
-                  </a:solidFill>
-                </a:endParaRPr>
               </a:p>
             </p:txBody>
           </p:sp>
@@ -3646,18 +3641,13 @@
               <a:lstStyle/>
               <a:p>
                 <a:r>
-                  <a:rPr lang="en-US" sz="1600" dirty="0" smtClean="0">
+                  <a:rPr lang="en-US" sz="1600" dirty="0">
                     <a:solidFill>
                       <a:srgbClr val="FFFFFF"/>
                     </a:solidFill>
                   </a:rPr>
                   <a:t>0355 279 217</a:t>
                 </a:r>
-                <a:endParaRPr lang="en-US" sz="1600" dirty="0">
-                  <a:solidFill>
-                    <a:srgbClr val="FFFFFF"/>
-                  </a:solidFill>
-                </a:endParaRPr>
               </a:p>
             </p:txBody>
           </p:sp>
@@ -3732,15 +3722,7 @@
                       <a:srgbClr val="FFFFFF"/>
                     </a:solidFill>
                   </a:rPr>
-                  <a:t>101B</a:t>
-                </a:r>
-                <a:r>
-                  <a:rPr lang="en-US" sz="1600" dirty="0" smtClean="0">
-                    <a:solidFill>
-                      <a:srgbClr val="FFFFFF"/>
-                    </a:solidFill>
-                  </a:rPr>
-                  <a:t>, Le </a:t>
+                  <a:t>101B, Le </a:t>
                 </a:r>
                 <a:r>
                   <a:rPr lang="en-US" sz="1600" dirty="0" err="1">
@@ -3843,49 +3825,28 @@
             </a:r>
             <a:r>
               <a:rPr lang="en-US" sz="1600" b="1" dirty="0"/>
-              <a:t> </a:t>
-            </a:r>
-            <a:r>
-              <a:rPr lang="en-US" sz="1600" b="1" dirty="0" smtClean="0"/>
-              <a:t>NUMÉRIQUES</a:t>
-            </a:r>
-            <a:r>
-              <a:rPr lang="en-US" sz="1600" b="1" dirty="0" smtClean="0"/>
-              <a:t> </a:t>
-            </a:r>
-            <a:r>
-              <a:rPr lang="en-US" sz="1600" b="1" dirty="0" smtClean="0">
+              <a:t> NUMÉRIQUES </a:t>
+            </a:r>
+            <a:r>
+              <a:rPr lang="en-US" sz="1600" b="1" dirty="0">
                 <a:solidFill>
                   <a:srgbClr val="222224"/>
                 </a:solidFill>
               </a:rPr>
               <a:t>VIETNAM</a:t>
             </a:r>
-            <a:endParaRPr lang="en-US" sz="1600" b="1" dirty="0">
-              <a:solidFill>
-                <a:srgbClr val="222224"/>
-              </a:solidFill>
-            </a:endParaRPr>
-          </a:p>
-          <a:p>
-            <a:r>
-              <a:rPr lang="en-US" sz="1600" b="1" dirty="0" smtClean="0">
+          </a:p>
+          <a:p>
+            <a:r>
+              <a:rPr lang="en-US" sz="1600" b="1" dirty="0">
                 <a:solidFill>
                   <a:srgbClr val="222224"/>
                 </a:solidFill>
               </a:rPr>
-              <a:t>Bachelors </a:t>
-            </a:r>
-            <a:r>
-              <a:rPr lang="en-US" sz="1600" b="1" dirty="0">
-                <a:solidFill>
-                  <a:srgbClr val="222224"/>
-                </a:solidFill>
-              </a:rPr>
-              <a:t>in Information </a:t>
-            </a:r>
-            <a:r>
-              <a:rPr lang="en-US" sz="1600" b="1" dirty="0" err="1" smtClean="0">
+              <a:t>Bachelors in Information </a:t>
+            </a:r>
+            <a:r>
+              <a:rPr lang="en-US" sz="1600" b="1" dirty="0" err="1">
                 <a:solidFill>
                   <a:srgbClr val="222224"/>
                 </a:solidFill>
@@ -3893,7 +3854,7 @@
               <a:t>Technolog</a:t>
             </a:r>
             <a:r>
-              <a:rPr lang="en-US" sz="1600" b="1" dirty="0" smtClean="0">
+              <a:rPr lang="en-US" sz="1600" b="1" dirty="0">
                 <a:solidFill>
                   <a:srgbClr val="222224"/>
                 </a:solidFill>
@@ -3908,31 +3869,7 @@
                   <a:srgbClr val="222224"/>
                 </a:solidFill>
               </a:rPr>
-              <a:t>	</a:t>
-            </a:r>
-            <a:r>
-              <a:rPr lang="en-US" sz="1600" b="1" i="1" dirty="0" smtClean="0">
-                <a:solidFill>
-                  <a:srgbClr val="222224"/>
-                </a:solidFill>
-              </a:rPr>
-              <a:t>		               </a:t>
-            </a:r>
-            <a:r>
-              <a:rPr lang="en-US" sz="1600" b="1" i="1" dirty="0" smtClean="0">
-                <a:solidFill>
-                  <a:srgbClr val="222224"/>
-                </a:solidFill>
-              </a:rPr>
-              <a:t>Oct </a:t>
-            </a:r>
-            <a:r>
-              <a:rPr lang="en-US" sz="1600" b="1" i="1" dirty="0">
-                <a:solidFill>
-                  <a:srgbClr val="222224"/>
-                </a:solidFill>
-              </a:rPr>
-              <a:t>2021 – Oct 2024</a:t>
+              <a:t>			               Oct 2021 – Oct 2024</a:t>
             </a:r>
           </a:p>
         </p:txBody>
@@ -3994,21 +3931,8 @@
                   <a:srgbClr val="FAD30C"/>
                 </a:solidFill>
               </a:rPr>
-              <a:t>IT </a:t>
-            </a:r>
-            <a:r>
-              <a:rPr lang="en-US" sz="1600" b="1" dirty="0" smtClean="0">
-                <a:solidFill>
-                  <a:srgbClr val="FAD30C"/>
-                </a:solidFill>
-              </a:rPr>
-              <a:t>Trainer</a:t>
-            </a:r>
-            <a:endParaRPr lang="en-US" sz="1600" b="1" dirty="0">
-              <a:solidFill>
-                <a:srgbClr val="FAD30C"/>
-              </a:solidFill>
-            </a:endParaRPr>
+              <a:t>IT Trainer</a:t>
+            </a:r>
           </a:p>
           <a:p>
             <a:pPr>
@@ -4022,21 +3946,8 @@
                   <a:srgbClr val="222224"/>
                 </a:solidFill>
               </a:rPr>
-              <a:t>0905 729 </a:t>
-            </a:r>
-            <a:r>
-              <a:rPr lang="en-US" sz="1600" dirty="0" smtClean="0">
-                <a:solidFill>
-                  <a:srgbClr val="222224"/>
-                </a:solidFill>
-              </a:rPr>
-              <a:t>707</a:t>
-            </a:r>
-            <a:endParaRPr lang="en-US" sz="1600" dirty="0">
-              <a:solidFill>
-                <a:srgbClr val="222224"/>
-              </a:solidFill>
-            </a:endParaRPr>
+              <a:t>0905 729 707</a:t>
+            </a:r>
           </a:p>
           <a:p>
             <a:pPr>
@@ -4045,18 +3956,13 @@
               </a:lnSpc>
             </a:pPr>
             <a:r>
-              <a:rPr lang="en-US" sz="1600" dirty="0" smtClean="0">
+              <a:rPr lang="en-US" sz="1600" dirty="0">
                 <a:solidFill>
                   <a:srgbClr val="222224"/>
                 </a:solidFill>
               </a:rPr>
               <a:t>dinh.cong@passerellesnumeriques.org</a:t>
             </a:r>
-            <a:endParaRPr lang="en-US" sz="1600" dirty="0">
-              <a:solidFill>
-                <a:srgbClr val="222224"/>
-              </a:solidFill>
-            </a:endParaRPr>
           </a:p>
           <a:p>
             <a:endParaRPr lang="en-US" sz="1680" dirty="0">
@@ -4108,18 +4014,13 @@
               <a:buChar char="•"/>
             </a:pPr>
             <a:r>
-              <a:rPr lang="en-US" sz="1680" dirty="0" smtClean="0">
+              <a:rPr lang="en-US" sz="1680" dirty="0">
                 <a:solidFill>
                   <a:schemeClr val="bg1"/>
                 </a:solidFill>
               </a:rPr>
               <a:t>English     </a:t>
             </a:r>
-            <a:endParaRPr lang="en-US" sz="1680" dirty="0">
-              <a:solidFill>
-                <a:schemeClr val="bg1"/>
-              </a:solidFill>
-            </a:endParaRPr>
           </a:p>
         </p:txBody>
       </p:sp>
@@ -4150,7 +4051,7 @@
               <a:buChar char="•"/>
             </a:pPr>
             <a:r>
-              <a:rPr lang="en-US" sz="1600" dirty="0" smtClean="0">
+              <a:rPr lang="en-US" sz="1600" dirty="0">
                 <a:solidFill>
                   <a:srgbClr val="FFFFFF"/>
                 </a:solidFill>
@@ -4192,7 +4093,7 @@
               <a:buChar char="•"/>
             </a:pPr>
             <a:r>
-              <a:rPr lang="en-US" sz="1600" dirty="0" smtClean="0">
+              <a:rPr lang="en-US" sz="1600" dirty="0">
                 <a:solidFill>
                   <a:srgbClr val="FFFFFF"/>
                 </a:solidFill>
@@ -4240,7 +4141,7 @@
               <a:buChar char="•"/>
             </a:pPr>
             <a:r>
-              <a:rPr lang="en-US" sz="1600" dirty="0" smtClean="0">
+              <a:rPr lang="en-US" sz="1600" dirty="0">
                 <a:solidFill>
                   <a:srgbClr val="FFFFFF"/>
                 </a:solidFill>
@@ -4254,14 +4155,14 @@
               <a:buChar char="•"/>
             </a:pPr>
             <a:r>
-              <a:rPr lang="en-US" sz="1600" dirty="0" err="1" smtClean="0">
+              <a:rPr lang="en-US" sz="1600" dirty="0" err="1">
                 <a:solidFill>
                   <a:srgbClr val="FFFFFF"/>
                 </a:solidFill>
               </a:rPr>
               <a:t>Teamworking</a:t>
             </a:r>
-            <a:endParaRPr lang="en-US" sz="1600" dirty="0" smtClean="0">
+            <a:endParaRPr lang="en-US" sz="1600" dirty="0">
               <a:solidFill>
                 <a:srgbClr val="FFFFFF"/>
               </a:solidFill>
@@ -4273,18 +4174,13 @@
               <a:buChar char="•"/>
             </a:pPr>
             <a:r>
-              <a:rPr lang="en-US" sz="1600" dirty="0" smtClean="0">
+              <a:rPr lang="en-US" sz="1600" dirty="0">
                 <a:solidFill>
                   <a:srgbClr val="FFFFFF"/>
                 </a:solidFill>
               </a:rPr>
               <a:t>Communicating</a:t>
             </a:r>
-            <a:endParaRPr lang="en-US" sz="1600" dirty="0" smtClean="0">
-              <a:solidFill>
-                <a:srgbClr val="FFFFFF"/>
-              </a:solidFill>
-            </a:endParaRPr>
           </a:p>
           <a:p>
             <a:pPr marL="342892" indent="-342892">
@@ -4292,7 +4188,7 @@
               <a:buChar char="•"/>
             </a:pPr>
             <a:r>
-              <a:rPr lang="en-US" sz="1600" dirty="0" smtClean="0">
+              <a:rPr lang="en-US" sz="1600" dirty="0">
                 <a:solidFill>
                   <a:srgbClr val="FFFFFF"/>
                 </a:solidFill>
@@ -4325,7 +4221,7 @@
           <a:lstStyle/>
           <a:p>
             <a:r>
-              <a:rPr lang="en-US" sz="1600" b="1" dirty="0" smtClean="0">
+              <a:rPr lang="en-US" sz="1600" b="1" dirty="0">
                 <a:solidFill>
                   <a:srgbClr val="FFC000"/>
                 </a:solidFill>
@@ -4333,36 +4229,20 @@
               <a:t>RESTAURANT MANAGEMENT </a:t>
             </a:r>
             <a:r>
-              <a:rPr lang="en-US" sz="1600" b="1" dirty="0" smtClean="0">
+              <a:rPr lang="en-US" sz="1600" b="1" dirty="0">
                 <a:solidFill>
                   <a:srgbClr val="222224"/>
                 </a:solidFill>
               </a:rPr>
-              <a:t>	              </a:t>
-            </a:r>
-            <a:r>
-              <a:rPr lang="en-US" sz="1600" b="1" dirty="0" smtClean="0">
+              <a:t>	                 </a:t>
+            </a:r>
+            <a:r>
+              <a:rPr lang="en-US" sz="1600" b="1" i="1" dirty="0">
                 <a:solidFill>
                   <a:srgbClr val="222224"/>
                 </a:solidFill>
               </a:rPr>
-              <a:t>   </a:t>
-            </a:r>
-            <a:r>
-              <a:rPr lang="en-US" sz="1600" b="1" i="1" dirty="0" smtClean="0">
-                <a:solidFill>
-                  <a:srgbClr val="222224"/>
-                </a:solidFill>
-              </a:rPr>
-              <a:t>Oct </a:t>
-            </a:r>
-            <a:r>
-              <a:rPr lang="en-US" sz="1600" b="1" i="1" dirty="0" smtClean="0">
-                <a:solidFill>
-                  <a:srgbClr val="222224"/>
-                </a:solidFill>
-              </a:rPr>
-              <a:t>2022 – Nov 2022</a:t>
+              <a:t>Oct 2022 – Nov 2022</a:t>
             </a:r>
           </a:p>
           <a:p>
@@ -4374,28 +4254,12 @@
           </a:p>
           <a:p>
             <a:r>
-              <a:rPr lang="en-US" sz="1600" b="1" dirty="0" smtClean="0">
+              <a:rPr lang="en-US" sz="1600" b="1" dirty="0">
                 <a:solidFill>
                   <a:srgbClr val="222224"/>
                 </a:solidFill>
               </a:rPr>
-              <a:t>Workbench </a:t>
-            </a:r>
-            <a:r>
-              <a:rPr lang="en-US" sz="1600" b="1" dirty="0" smtClean="0">
-                <a:solidFill>
-                  <a:srgbClr val="222224"/>
-                </a:solidFill>
-              </a:rPr>
-              <a:t>– </a:t>
-            </a:r>
-            <a:r>
-              <a:rPr lang="en-US" sz="1600" b="1" dirty="0" smtClean="0">
-                <a:solidFill>
-                  <a:srgbClr val="222224"/>
-                </a:solidFill>
-              </a:rPr>
-              <a:t>MySQL </a:t>
+              <a:t>Workbench – MySQL </a:t>
             </a:r>
           </a:p>
           <a:p>
@@ -4404,28 +4268,12 @@
               <a:buChar char="•"/>
             </a:pPr>
             <a:r>
-              <a:rPr lang="en-US" sz="1600" dirty="0" smtClean="0">
+              <a:rPr lang="en-US" sz="1600" dirty="0">
                 <a:solidFill>
                   <a:srgbClr val="222224"/>
                 </a:solidFill>
               </a:rPr>
-              <a:t>Designing </a:t>
-            </a:r>
-            <a:r>
-              <a:rPr lang="en-US" sz="1600" dirty="0" smtClean="0">
-                <a:solidFill>
-                  <a:srgbClr val="222224"/>
-                </a:solidFill>
-              </a:rPr>
-              <a:t>a </a:t>
-            </a:r>
-            <a:r>
-              <a:rPr lang="en-US" sz="1600" dirty="0" smtClean="0">
-                <a:solidFill>
-                  <a:srgbClr val="222224"/>
-                </a:solidFill>
-              </a:rPr>
-              <a:t>database (Creating a relationship between the Customer and the Restaurant table and other tables in a system)</a:t>
+              <a:t>Designing a database (Creating a relationship between the Customer and the Restaurant table and other tables in a system)</a:t>
             </a:r>
           </a:p>
           <a:p>
@@ -4434,18 +4282,13 @@
               <a:buChar char="•"/>
             </a:pPr>
             <a:r>
-              <a:rPr lang="en-US" sz="1600" dirty="0" smtClean="0">
+              <a:rPr lang="en-US" sz="1600" dirty="0">
                 <a:solidFill>
                   <a:srgbClr val="222224"/>
                 </a:solidFill>
               </a:rPr>
               <a:t>Creating database objects such as Functions, Procedures, Views, and Triggers for easy searching, adding, updating, and deleting the products and users. And making contains among tables</a:t>
             </a:r>
-            <a:endParaRPr lang="en-US" sz="1600" dirty="0" smtClean="0">
-              <a:solidFill>
-                <a:srgbClr val="222224"/>
-              </a:solidFill>
-            </a:endParaRPr>
           </a:p>
           <a:p>
             <a:pPr marL="342892" indent="-342892">
@@ -4453,10 +4296,9 @@
               <a:buChar char="•"/>
             </a:pPr>
             <a:r>
-              <a:rPr lang="en-US" sz="1600" dirty="0" smtClean="0"/>
+              <a:rPr lang="en-US" sz="1600" dirty="0"/>
               <a:t>Presenting the project</a:t>
             </a:r>
-            <a:endParaRPr lang="en-US" sz="1600" dirty="0" smtClean="0"/>
           </a:p>
           <a:p>
             <a:pPr marL="342892" indent="-342892">
@@ -4563,7 +4405,6 @@
             <a:ln>
               <a:noFill/>
             </a:ln>
-            <a:extLst/>
           </p:spPr>
         </p:pic>
       </p:grpSp>
@@ -4659,7 +4500,6 @@
             <a:ln>
               <a:noFill/>
             </a:ln>
-            <a:extLst/>
           </p:spPr>
         </p:pic>
       </p:grpSp>
@@ -4761,21 +4601,8 @@
                   <a:srgbClr val="222224"/>
                 </a:solidFill>
               </a:rPr>
-              <a:t>SOFT </a:t>
-            </a:r>
-            <a:r>
-              <a:rPr lang="en-US" sz="1800" b="1" dirty="0" smtClean="0">
-                <a:solidFill>
-                  <a:srgbClr val="222224"/>
-                </a:solidFill>
-              </a:rPr>
-              <a:t>SKILLS</a:t>
-            </a:r>
-            <a:endParaRPr lang="en-US" sz="1800" b="1" dirty="0">
-              <a:solidFill>
-                <a:srgbClr val="222224"/>
-              </a:solidFill>
-            </a:endParaRPr>
+              <a:t>SOFT SKILLS</a:t>
+            </a:r>
           </a:p>
         </p:txBody>
       </p:sp>
@@ -4933,18 +4760,13 @@
           <a:p>
             <a:pPr algn="ctr"/>
             <a:r>
-              <a:rPr lang="en-US" sz="1800" b="1" dirty="0" smtClean="0">
+              <a:rPr lang="en-US" sz="1800" b="1" dirty="0">
                 <a:solidFill>
                   <a:schemeClr val="bg1"/>
                 </a:solidFill>
               </a:rPr>
               <a:t>PROJECTS</a:t>
             </a:r>
-            <a:endParaRPr lang="en-US" sz="1800" b="1" dirty="0">
-              <a:solidFill>
-                <a:schemeClr val="bg1"/>
-              </a:solidFill>
-            </a:endParaRPr>
           </a:p>
         </p:txBody>
       </p:sp>
@@ -4971,7 +4793,7 @@
           <a:lstStyle/>
           <a:p>
             <a:r>
-              <a:rPr lang="en-US" sz="1600" b="1" dirty="0" smtClean="0">
+              <a:rPr lang="en-US" sz="1600" b="1" dirty="0">
                 <a:solidFill>
                   <a:srgbClr val="FFC000"/>
                 </a:solidFill>
@@ -4979,63 +4801,19 @@
               <a:t>DOCTOR BOOKING WEBSITE                             </a:t>
             </a:r>
             <a:r>
-              <a:rPr lang="en-US" sz="1600" b="1" i="1" dirty="0" smtClean="0"/>
+              <a:rPr lang="en-US" sz="1600" b="1" i="1" dirty="0"/>
               <a:t>Dec 2022 </a:t>
             </a:r>
             <a:r>
-              <a:rPr lang="en-US" sz="1600" b="1" i="1" dirty="0" smtClean="0">
+              <a:rPr lang="en-US" sz="1600" b="1" i="1" dirty="0">
                 <a:solidFill>
                   <a:srgbClr val="222224"/>
                 </a:solidFill>
               </a:rPr>
-              <a:t>– </a:t>
-            </a:r>
-            <a:r>
-              <a:rPr lang="en-US" sz="1600" b="1" i="1" dirty="0" smtClean="0">
-                <a:solidFill>
-                  <a:srgbClr val="222224"/>
-                </a:solidFill>
-              </a:rPr>
-              <a:t>Jan 2023</a:t>
-            </a:r>
-            <a:endParaRPr lang="en-US" sz="1600" b="1" i="1" dirty="0" smtClean="0">
-              <a:solidFill>
-                <a:srgbClr val="222224"/>
-              </a:solidFill>
-            </a:endParaRPr>
-          </a:p>
-          <a:p>
-            <a:endParaRPr lang="en-US" sz="1600" b="1" dirty="0" smtClean="0">
-              <a:solidFill>
-                <a:srgbClr val="222224"/>
-              </a:solidFill>
-            </a:endParaRPr>
-          </a:p>
-          <a:p>
-            <a:r>
-              <a:rPr lang="en-US" sz="1600" b="1" dirty="0" smtClean="0">
-                <a:solidFill>
-                  <a:srgbClr val="222224"/>
-                </a:solidFill>
-              </a:rPr>
-              <a:t>HTML</a:t>
-            </a:r>
-            <a:r>
-              <a:rPr lang="en-US" sz="1600" b="1" dirty="0" smtClean="0">
-                <a:solidFill>
-                  <a:srgbClr val="222224"/>
-                </a:solidFill>
-              </a:rPr>
-              <a:t>, CSS, JavaScript, </a:t>
-            </a:r>
-            <a:r>
-              <a:rPr lang="en-US" sz="1600" b="1" dirty="0" smtClean="0">
-                <a:solidFill>
-                  <a:srgbClr val="222224"/>
-                </a:solidFill>
-              </a:rPr>
-              <a:t>GitHub</a:t>
-            </a:r>
+              <a:t>– Jan 2023</a:t>
+            </a:r>
+          </a:p>
+          <a:p>
             <a:endParaRPr lang="en-US" sz="1600" b="1" dirty="0">
               <a:solidFill>
                 <a:srgbClr val="222224"/>
@@ -5043,33 +4821,27 @@
             </a:endParaRPr>
           </a:p>
           <a:p>
+            <a:r>
+              <a:rPr lang="en-US" sz="1600" b="1" dirty="0">
+                <a:solidFill>
+                  <a:srgbClr val="222224"/>
+                </a:solidFill>
+              </a:rPr>
+              <a:t>HTML, CSS, JavaScript, GitHub</a:t>
+            </a:r>
+          </a:p>
+          <a:p>
             <a:pPr marL="285750" indent="-285750">
               <a:buFont typeface="Arial" panose="020B0604020202020204" pitchFamily="34" charset="0"/>
               <a:buChar char="•"/>
             </a:pPr>
             <a:r>
-              <a:rPr lang="en-US" sz="1600" dirty="0" smtClean="0">
+              <a:rPr lang="en-US" sz="1600" dirty="0">
                 <a:solidFill>
                   <a:srgbClr val="222224"/>
                 </a:solidFill>
               </a:rPr>
-              <a:t> Linking Mock API, </a:t>
-            </a:r>
-            <a:r>
-              <a:rPr lang="en-US" sz="1600" dirty="0" smtClean="0">
-                <a:solidFill>
-                  <a:srgbClr val="222224"/>
-                </a:solidFill>
-              </a:rPr>
-              <a:t>JSON-Server to  get </a:t>
-            </a:r>
-            <a:r>
-              <a:rPr lang="en-US" sz="1600" dirty="0" smtClean="0">
-                <a:solidFill>
-                  <a:srgbClr val="222224"/>
-                </a:solidFill>
-              </a:rPr>
-              <a:t>Data</a:t>
+              <a:t> Linking Mock API, JSON-Server to  get Data</a:t>
             </a:r>
           </a:p>
           <a:p>
@@ -5078,34 +4850,13 @@
               <a:buChar char="•"/>
             </a:pPr>
             <a:r>
-              <a:rPr lang="en-US" sz="1600" dirty="0" smtClean="0">
+              <a:rPr lang="en-US" sz="1600" dirty="0">
                 <a:solidFill>
                   <a:srgbClr val="222224"/>
                 </a:solidFill>
               </a:rPr>
-              <a:t> Designing validation for </a:t>
-            </a:r>
-            <a:r>
-              <a:rPr lang="en-US" sz="1600" dirty="0" smtClean="0">
-                <a:solidFill>
-                  <a:srgbClr val="222224"/>
-                </a:solidFill>
-              </a:rPr>
-              <a:t>form login, logout</a:t>
-            </a:r>
-            <a:r>
-              <a:rPr lang="en-US" sz="1600" dirty="0" smtClean="0">
-                <a:solidFill>
-                  <a:srgbClr val="222224"/>
-                </a:solidFill>
-              </a:rPr>
-              <a:t>, and register </a:t>
-            </a:r>
-            <a:endParaRPr lang="en-US" sz="1600" dirty="0" smtClean="0">
-              <a:solidFill>
-                <a:srgbClr val="222224"/>
-              </a:solidFill>
-            </a:endParaRPr>
+              <a:t> Designing validation for form login, logout, and register </a:t>
+            </a:r>
           </a:p>
           <a:p>
             <a:pPr marL="285750" indent="-285750">
@@ -5113,34 +4864,13 @@
               <a:buChar char="•"/>
             </a:pPr>
             <a:r>
-              <a:rPr lang="en-US" sz="1600" dirty="0" smtClean="0">
+              <a:rPr lang="en-US" sz="1600" dirty="0">
                 <a:solidFill>
                   <a:srgbClr val="222224"/>
                 </a:solidFill>
               </a:rPr>
-              <a:t> </a:t>
-            </a:r>
-            <a:r>
-              <a:rPr lang="en-US" sz="1600" dirty="0">
-                <a:solidFill>
-                  <a:srgbClr val="222224"/>
-                </a:solidFill>
-              </a:rPr>
-              <a:t>Designing </a:t>
-            </a:r>
-            <a:r>
-              <a:rPr lang="en-US" sz="1600" dirty="0" smtClean="0">
-                <a:solidFill>
-                  <a:srgbClr val="222224"/>
-                </a:solidFill>
-              </a:rPr>
-              <a:t>admin’s interface</a:t>
-            </a:r>
-            <a:endParaRPr lang="en-US" sz="1600" dirty="0">
-              <a:solidFill>
-                <a:srgbClr val="222224"/>
-              </a:solidFill>
-            </a:endParaRPr>
+              <a:t> Designing admin’s interface</a:t>
+            </a:r>
           </a:p>
           <a:p>
             <a:pPr marL="285750" indent="-285750">
@@ -5148,12 +4878,22 @@
               <a:buChar char="•"/>
             </a:pPr>
             <a:r>
-              <a:rPr lang="en-US" sz="1600" dirty="0" smtClean="0">
+              <a:rPr lang="en-US" sz="1600" dirty="0">
                 <a:solidFill>
                   <a:srgbClr val="222224"/>
                 </a:solidFill>
               </a:rPr>
-              <a:t> </a:t>
+              <a:t> Developing main functions</a:t>
+            </a:r>
+            <a:r>
+              <a:rPr lang="en-US" sz="1600" dirty="0"/>
+              <a:t>: displaying, searching, adding</a:t>
+            </a:r>
+          </a:p>
+          <a:p>
+            <a:r>
+              <a:rPr lang="en-US" sz="1600" dirty="0"/>
+              <a:t>       and deleting </a:t>
             </a:r>
             <a:r>
               <a:rPr lang="en-US" sz="1600" dirty="0">
@@ -5161,44 +4901,9 @@
                   <a:srgbClr val="222224"/>
                 </a:solidFill>
               </a:rPr>
-              <a:t>Developing main functions</a:t>
-            </a:r>
-            <a:r>
-              <a:rPr lang="en-US" sz="1600" dirty="0"/>
-              <a:t>: </a:t>
-            </a:r>
-            <a:r>
-              <a:rPr lang="en-US" sz="1600" dirty="0" smtClean="0"/>
-              <a:t>displaying, searching, adding</a:t>
-            </a:r>
-            <a:endParaRPr lang="en-US" sz="1600" dirty="0"/>
-          </a:p>
-          <a:p>
-            <a:r>
-              <a:rPr lang="en-US" sz="1600" dirty="0" smtClean="0"/>
-              <a:t>       and </a:t>
-            </a:r>
-            <a:r>
-              <a:rPr lang="en-US" sz="1600" dirty="0" smtClean="0"/>
-              <a:t>deleting </a:t>
-            </a:r>
-            <a:r>
-              <a:rPr lang="en-US" sz="1600" dirty="0" smtClean="0">
-                <a:solidFill>
-                  <a:srgbClr val="222224"/>
-                </a:solidFill>
-              </a:rPr>
-              <a:t>the user’s </a:t>
-            </a:r>
-            <a:r>
-              <a:rPr lang="en-US" sz="1600" dirty="0" smtClean="0">
-                <a:solidFill>
-                  <a:srgbClr val="222224"/>
-                </a:solidFill>
-              </a:rPr>
-              <a:t>information and products</a:t>
-            </a:r>
-            <a:endParaRPr lang="en-US" sz="1600" dirty="0" smtClean="0">
+              <a:t>the user’s information and products</a:t>
+            </a:r>
+            <a:endParaRPr lang="en-US" sz="1600" dirty="0">
               <a:solidFill>
                 <a:srgbClr val="FF0000"/>
               </a:solidFill>
@@ -5210,7 +4915,7 @@
               <a:buChar char="•"/>
             </a:pPr>
             <a:r>
-              <a:rPr lang="en-US" sz="1600" dirty="0" err="1" smtClean="0">
+              <a:rPr lang="en-US" sz="1600" dirty="0" err="1">
                 <a:solidFill>
                   <a:srgbClr val="222224"/>
                 </a:solidFill>
@@ -5218,26 +4923,13 @@
               <a:t>Storaging</a:t>
             </a:r>
             <a:r>
-              <a:rPr lang="en-US" sz="1600" dirty="0" smtClean="0">
+              <a:rPr lang="en-US" sz="1600" dirty="0">
                 <a:solidFill>
                   <a:srgbClr val="222224"/>
                 </a:solidFill>
               </a:rPr>
-              <a:t> code using </a:t>
-            </a:r>
-            <a:r>
-              <a:rPr lang="en-US" sz="1600" dirty="0" smtClean="0">
-                <a:solidFill>
-                  <a:srgbClr val="222224"/>
-                </a:solidFill>
-              </a:rPr>
-              <a:t>GitHub (Creating an individual branch, pulling code, pushing code, merging code, solving conflict …)</a:t>
-            </a:r>
-            <a:endParaRPr lang="en-US" sz="1600" dirty="0">
-              <a:solidFill>
-                <a:srgbClr val="222224"/>
-              </a:solidFill>
-            </a:endParaRPr>
+              <a:t> code using GitHub (Creating an individual branch, pulling code, pushing code, merging code, solving conflict …)</a:t>
+            </a:r>
           </a:p>
         </p:txBody>
       </p:sp>
@@ -5286,18 +4978,13 @@
           <a:p>
             <a:pPr algn="ctr"/>
             <a:r>
-              <a:rPr lang="en-US" sz="1800" b="1" dirty="0" smtClean="0">
+              <a:rPr lang="en-US" sz="1800" b="1" dirty="0">
                 <a:solidFill>
                   <a:srgbClr val="FFFFFF"/>
                 </a:solidFill>
               </a:rPr>
               <a:t>REFERENCE</a:t>
             </a:r>
-            <a:endParaRPr lang="en-US" sz="1800" b="1" dirty="0">
-              <a:solidFill>
-                <a:srgbClr val="FFFFFF"/>
-              </a:solidFill>
-            </a:endParaRPr>
           </a:p>
         </p:txBody>
       </p:sp>
@@ -5346,18 +5033,13 @@
           <a:p>
             <a:pPr algn="ctr"/>
             <a:r>
-              <a:rPr lang="en-US" sz="1800" b="1" dirty="0" smtClean="0">
+              <a:rPr lang="en-US" sz="1800" b="1" dirty="0">
                 <a:solidFill>
                   <a:srgbClr val="222224"/>
                 </a:solidFill>
               </a:rPr>
               <a:t>LANGUAGE</a:t>
             </a:r>
-            <a:endParaRPr lang="en-US" sz="1800" b="1" dirty="0">
-              <a:solidFill>
-                <a:srgbClr val="222224"/>
-              </a:solidFill>
-            </a:endParaRPr>
           </a:p>
         </p:txBody>
       </p:sp>
@@ -5406,18 +5088,13 @@
           <a:p>
             <a:pPr algn="ctr"/>
             <a:r>
-              <a:rPr lang="en-US" sz="1800" b="1" dirty="0" smtClean="0">
+              <a:rPr lang="en-US" sz="1800" b="1" dirty="0">
                 <a:solidFill>
                   <a:srgbClr val="222224"/>
                 </a:solidFill>
               </a:rPr>
               <a:t>ACTIVITIES</a:t>
             </a:r>
-            <a:endParaRPr lang="en-US" sz="1800" b="1" dirty="0">
-              <a:solidFill>
-                <a:srgbClr val="222224"/>
-              </a:solidFill>
-            </a:endParaRPr>
           </a:p>
         </p:txBody>
       </p:sp>
@@ -5444,30 +5121,62 @@
           <a:lstStyle/>
           <a:p>
             <a:r>
-              <a:rPr lang="en-US" sz="1600" b="1" dirty="0" smtClean="0">
+              <a:rPr lang="en-US" sz="1600" b="1" dirty="0">
                 <a:solidFill>
                   <a:srgbClr val="FFFFFF"/>
                 </a:solidFill>
               </a:rPr>
-              <a:t>Giving  Gifts  </a:t>
-            </a:r>
-            <a:r>
-              <a:rPr lang="en-US" sz="1600" b="1" dirty="0">
+              <a:t>Giving  Gifts  Nov  2022</a:t>
+            </a:r>
+          </a:p>
+          <a:p>
+            <a:pPr marL="285750" indent="-285750">
+              <a:buFont typeface="Arial" panose="020B0604020202020204" pitchFamily="34" charset="0"/>
+              <a:buChar char="•"/>
+            </a:pPr>
+            <a:r>
+              <a:rPr lang="en-US" sz="1600" dirty="0">
                 <a:solidFill>
                   <a:srgbClr val="FFFFFF"/>
                 </a:solidFill>
               </a:rPr>
-              <a:t>Nov  </a:t>
-            </a:r>
-            <a:r>
-              <a:rPr lang="en-US" sz="1600" b="1" dirty="0" smtClean="0">
+              <a:t>Team member</a:t>
+            </a:r>
+          </a:p>
+          <a:p>
+            <a:pPr marL="285750" indent="-285750">
+              <a:buFont typeface="Arial" panose="020B0604020202020204" pitchFamily="34" charset="0"/>
+              <a:buChar char="•"/>
+            </a:pPr>
+            <a:r>
+              <a:rPr lang="en-US" sz="1600" dirty="0">
                 <a:solidFill>
                   <a:srgbClr val="FFFFFF"/>
                 </a:solidFill>
               </a:rPr>
-              <a:t>2022</a:t>
-            </a:r>
-            <a:endParaRPr lang="en-US" sz="1600" b="1" dirty="0" smtClean="0">
+              <a:t>Conduct street sales to earn money to buy gifts</a:t>
+            </a:r>
+          </a:p>
+          <a:p>
+            <a:pPr marL="285750" indent="-285750">
+              <a:buFont typeface="Arial" panose="020B0604020202020204" pitchFamily="34" charset="0"/>
+              <a:buChar char="•"/>
+            </a:pPr>
+            <a:r>
+              <a:rPr lang="en-US" sz="1600" dirty="0">
+                <a:solidFill>
+                  <a:srgbClr val="FFFFFF"/>
+                </a:solidFill>
+              </a:rPr>
+              <a:t>Presenting  project</a:t>
+            </a:r>
+          </a:p>
+          <a:p>
+            <a:pPr marL="285750" indent="-285750">
+              <a:buFont typeface="Arial" panose="020B0604020202020204" pitchFamily="34" charset="0"/>
+              <a:buChar char="•"/>
+            </a:pPr>
+            <a:endParaRPr lang="en-US" sz="1600" dirty="0">
               <a:solidFill>
                 <a:srgbClr val="FFFFFF"/>
               </a:solidFill>
@@ -5478,91 +5187,14 @@
               <a:buFont typeface="Arial" panose="020B0604020202020204" pitchFamily="34" charset="0"/>
               <a:buChar char="•"/>
             </a:pPr>
-            <a:r>
-              <a:rPr lang="en-US" sz="1600" dirty="0" smtClean="0">
-                <a:solidFill>
-                  <a:srgbClr val="FFFFFF"/>
-                </a:solidFill>
-              </a:rPr>
-              <a:t>Team </a:t>
-            </a:r>
-            <a:r>
-              <a:rPr lang="en-US" sz="1600" dirty="0" smtClean="0">
-                <a:solidFill>
-                  <a:srgbClr val="FFFFFF"/>
-                </a:solidFill>
-              </a:rPr>
-              <a:t>member</a:t>
-            </a:r>
-          </a:p>
-          <a:p>
-            <a:pPr marL="285750" indent="-285750">
-              <a:buFont typeface="Arial" panose="020B0604020202020204" pitchFamily="34" charset="0"/>
-              <a:buChar char="•"/>
-            </a:pPr>
-            <a:r>
-              <a:rPr lang="en-US" sz="1600" dirty="0" smtClean="0">
-                <a:solidFill>
-                  <a:srgbClr val="FFFFFF"/>
-                </a:solidFill>
-              </a:rPr>
-              <a:t>Conduct </a:t>
-            </a:r>
-            <a:r>
-              <a:rPr lang="en-US" sz="1600" dirty="0">
-                <a:solidFill>
-                  <a:srgbClr val="FFFFFF"/>
-                </a:solidFill>
-              </a:rPr>
-              <a:t>street sales to earn money to buy </a:t>
-            </a:r>
-            <a:r>
-              <a:rPr lang="en-US" sz="1600" dirty="0" smtClean="0">
-                <a:solidFill>
-                  <a:srgbClr val="FFFFFF"/>
-                </a:solidFill>
-              </a:rPr>
-              <a:t>gifts</a:t>
-            </a:r>
-          </a:p>
-          <a:p>
-            <a:pPr marL="285750" indent="-285750">
-              <a:buFont typeface="Arial" panose="020B0604020202020204" pitchFamily="34" charset="0"/>
-              <a:buChar char="•"/>
-            </a:pPr>
-            <a:r>
-              <a:rPr lang="en-US" sz="1600" dirty="0" smtClean="0">
-                <a:solidFill>
-                  <a:srgbClr val="FFFFFF"/>
-                </a:solidFill>
-              </a:rPr>
-              <a:t>Presenting  project</a:t>
-            </a:r>
-          </a:p>
-          <a:p>
-            <a:pPr marL="285750" indent="-285750">
-              <a:buFont typeface="Arial" panose="020B0604020202020204" pitchFamily="34" charset="0"/>
-              <a:buChar char="•"/>
-            </a:pPr>
-            <a:endParaRPr lang="en-US" sz="1600" dirty="0" smtClean="0">
+            <a:endParaRPr lang="en-US" sz="1600" dirty="0">
               <a:solidFill>
                 <a:srgbClr val="FFFFFF"/>
               </a:solidFill>
             </a:endParaRPr>
           </a:p>
           <a:p>
-            <a:pPr marL="285750" indent="-285750">
-              <a:buFont typeface="Arial" panose="020B0604020202020204" pitchFamily="34" charset="0"/>
-              <a:buChar char="•"/>
-            </a:pPr>
-            <a:endParaRPr lang="en-US" sz="1600" dirty="0" smtClean="0">
-              <a:solidFill>
-                <a:srgbClr val="FFFFFF"/>
-              </a:solidFill>
-            </a:endParaRPr>
-          </a:p>
-          <a:p>
-            <a:endParaRPr lang="en-US" sz="1600" dirty="0" smtClean="0">
+            <a:endParaRPr lang="en-US" sz="1600" dirty="0">
               <a:solidFill>
                 <a:srgbClr val="FFFFFF"/>
               </a:solidFill>
@@ -5615,18 +5247,13 @@
           <a:p>
             <a:pPr algn="ctr"/>
             <a:r>
-              <a:rPr lang="en-US" sz="1800" b="1" dirty="0" smtClean="0">
+              <a:rPr lang="en-US" sz="1800" b="1" dirty="0">
                 <a:solidFill>
                   <a:srgbClr val="222224"/>
                 </a:solidFill>
               </a:rPr>
               <a:t>INTERESTS</a:t>
             </a:r>
-            <a:endParaRPr lang="en-US" sz="1800" b="1" dirty="0">
-              <a:solidFill>
-                <a:srgbClr val="222224"/>
-              </a:solidFill>
-            </a:endParaRPr>
           </a:p>
         </p:txBody>
       </p:sp>
@@ -5671,18 +5298,13 @@
               <a:buChar char="•"/>
             </a:pPr>
             <a:r>
-              <a:rPr lang="en-US" sz="1600" dirty="0" smtClean="0">
+              <a:rPr lang="en-US" sz="1600" dirty="0">
                 <a:solidFill>
                   <a:srgbClr val="FFFFFF"/>
                 </a:solidFill>
               </a:rPr>
               <a:t>Drinking coffee</a:t>
             </a:r>
-            <a:endParaRPr lang="en-US" sz="1600" dirty="0">
-              <a:solidFill>
-                <a:srgbClr val="FFFFFF"/>
-              </a:solidFill>
-            </a:endParaRPr>
           </a:p>
         </p:txBody>
       </p:sp>
@@ -5752,13 +5374,6 @@
   <p:clrMapOvr>
     <a:masterClrMapping/>
   </p:clrMapOvr>
-  <p:timing>
-    <p:tnLst>
-      <p:par>
-        <p:cTn id="1" dur="indefinite" restart="never" nodeType="tmRoot"/>
-      </p:par>
-    </p:tnLst>
-  </p:timing>
 </p:sld>
 </file>
 
